--- a/Document EN.pptx
+++ b/Document EN.pptx
@@ -267,7 +267,7 @@
           <a:p>
             <a:fld id="{1D8BD707-D9CF-40AE-B4C6-C98DA3205C09}" type="datetimeFigureOut">
               <a:rPr lang="en-US"/>
-              <a:t>6/2/2022</a:t>
+              <a:t>6/9/2022</a:t>
             </a:fld>
             <a:endParaRPr lang="en-US"/>
           </a:p>
@@ -432,7 +432,7 @@
           <a:p>
             <a:fld id="{1D8BD707-D9CF-40AE-B4C6-C98DA3205C09}" type="datetimeFigureOut">
               <a:rPr lang="en-US"/>
-              <a:t>6/2/2022</a:t>
+              <a:t>6/9/2022</a:t>
             </a:fld>
             <a:endParaRPr lang="en-US"/>
           </a:p>
@@ -640,7 +640,7 @@
           <a:p>
             <a:fld id="{1D8BD707-D9CF-40AE-B4C6-C98DA3205C09}" type="datetimeFigureOut">
               <a:rPr lang="en-US"/>
-              <a:t>6/2/2022</a:t>
+              <a:t>6/9/2022</a:t>
             </a:fld>
             <a:endParaRPr lang="en-US"/>
           </a:p>
@@ -782,7 +782,7 @@
           <a:p>
             <a:fld id="{1D8BD707-D9CF-40AE-B4C6-C98DA3205C09}" type="datetimeFigureOut">
               <a:rPr lang="en-US"/>
-              <a:t>6/2/2022</a:t>
+              <a:t>6/9/2022</a:t>
             </a:fld>
             <a:endParaRPr lang="en-US"/>
           </a:p>
@@ -901,7 +901,7 @@
           <a:p>
             <a:fld id="{1D8BD707-D9CF-40AE-B4C6-C98DA3205C09}" type="datetimeFigureOut">
               <a:rPr lang="en-US"/>
-              <a:t>6/2/2022</a:t>
+              <a:t>6/9/2022</a:t>
             </a:fld>
             <a:endParaRPr lang="en-US"/>
           </a:p>
@@ -1164,7 +1164,7 @@
           <a:p>
             <a:fld id="{1D8BD707-D9CF-40AE-B4C6-C98DA3205C09}" type="datetimeFigureOut">
               <a:rPr lang="en-US"/>
-              <a:t>6/2/2022</a:t>
+              <a:t>6/9/2022</a:t>
             </a:fld>
             <a:endParaRPr lang="en-US"/>
           </a:p>
@@ -1392,7 +1392,7 @@
         <p:spPr>
           <a:xfrm>
             <a:off x="368808" y="7648295"/>
-            <a:ext cx="6412992" cy="703847"/>
+            <a:ext cx="6336792" cy="703847"/>
           </a:xfrm>
           <a:prstGeom prst="rect">
             <a:avLst/>
@@ -1413,7 +1413,7 @@
               </a:spcBef>
             </a:pPr>
             <a:r>
-              <a:rPr lang="en-US" altLang="ko-KR" sz="1600">
+              <a:rPr lang="en-US" sz="1600">
                 <a:solidFill>
                   <a:schemeClr val="bg1"/>
                 </a:solidFill>
@@ -1423,7 +1423,7 @@
               <a:t>At the top of Unity, click Windows -&gt; ShadowGraph Hotkey -&gt;</a:t>
             </a:r>
             <a:br>
-              <a:rPr lang="en-US" altLang="ko-KR" sz="1600">
+              <a:rPr lang="en-US" sz="1600">
                 <a:solidFill>
                   <a:schemeClr val="bg1"/>
                 </a:solidFill>
@@ -1432,7 +1432,7 @@
               </a:rPr>
             </a:br>
             <a:r>
-              <a:rPr lang="en-US" altLang="ko-KR" sz="1600">
+              <a:rPr lang="en-US" sz="1600">
                 <a:solidFill>
                   <a:schemeClr val="bg1"/>
                 </a:solidFill>
@@ -1441,7 +1441,7 @@
               </a:rPr>
               <a:t>Setup Window, and then click the corresponding button.</a:t>
             </a:r>
-            <a:endParaRPr lang="ko-KR" altLang="en-US" sz="1400">
+            <a:endParaRPr sz="1400">
               <a:solidFill>
                 <a:schemeClr val="bg1"/>
               </a:solidFill>
@@ -1528,8 +1528,8 @@
         </p:nvSpPr>
         <p:spPr>
           <a:xfrm>
-            <a:off x="368808" y="9497083"/>
-            <a:ext cx="6176594" cy="2098460"/>
+            <a:off x="368808" y="10058400"/>
+            <a:ext cx="6176594" cy="1504707"/>
           </a:xfrm>
           <a:prstGeom prst="rect">
             <a:avLst/>
@@ -1543,14 +1543,14 @@
           <a:p>
             <a:pPr marL="12700" algn="just">
               <a:lnSpc>
-                <a:spcPct val="150000"/>
+                <a:spcPct val="100000"/>
               </a:lnSpc>
               <a:spcBef>
                 <a:spcPts val="975"/>
               </a:spcBef>
             </a:pPr>
             <a:r>
-              <a:rPr lang="en-US" sz="1800" b="1" spc="-5">
+              <a:rPr lang="en-US" altLang="ko-KR" sz="1800" b="1" spc="-5">
                 <a:solidFill>
                   <a:schemeClr val="bg1"/>
                 </a:solidFill>
@@ -1559,65 +1559,49 @@
               </a:rPr>
               <a:t>Installing :</a:t>
             </a:r>
+            <a:endParaRPr lang="ko-KR" altLang="en-US" sz="1800">
+              <a:solidFill>
+                <a:schemeClr val="bg1"/>
+              </a:solidFill>
+              <a:latin typeface="맑은 고딕"/>
+              <a:cs typeface="맑은 고딕"/>
+            </a:endParaRPr>
           </a:p>
           <a:p>
-            <a:pPr marL="12700" algn="just">
+            <a:pPr marL="33655" marR="5080" algn="just">
               <a:lnSpc>
-                <a:spcPct val="150000"/>
+                <a:spcPts val="2970"/>
               </a:lnSpc>
-              <a:spcBef>
-                <a:spcPts val="975"/>
-              </a:spcBef>
             </a:pPr>
             <a:r>
-              <a:rPr lang="en-US" altLang="ko-KR" sz="1600" spc="65">
+              <a:rPr lang="en-US" altLang="ko-KR" sz="1600">
                 <a:solidFill>
                   <a:schemeClr val="bg1"/>
                 </a:solidFill>
                 <a:latin typeface="맑은 고딕"/>
                 <a:cs typeface="맑은 고딕"/>
               </a:rPr>
-              <a:t>During installation, </a:t>
+              <a:t>During installation, Define is added, the function is activated, and </a:t>
             </a:r>
             <a:r>
-              <a:rPr lang="en-US" altLang="ko-KR" sz="1600" b="1" spc="65">
+              <a:rPr lang="en-US" altLang="ko-KR" sz="1600" b="1" u="sng">
                 <a:solidFill>
                   <a:schemeClr val="bg1"/>
                 </a:solidFill>
                 <a:latin typeface="맑은 고딕"/>
                 <a:cs typeface="맑은 고딕"/>
               </a:rPr>
-              <a:t>Unity restarts</a:t>
+              <a:t>'Shortcut key application is complete'</a:t>
             </a:r>
             <a:r>
-              <a:rPr lang="en-US" altLang="ko-KR" sz="1600" spc="65">
+              <a:rPr lang="en-US" altLang="ko-KR" sz="1600">
                 <a:solidFill>
                   <a:schemeClr val="bg1"/>
                 </a:solidFill>
                 <a:latin typeface="맑은 고딕"/>
                 <a:cs typeface="맑은 고딕"/>
               </a:rPr>
-              <a:t>, and when it is reopened, it is finally installed and </a:t>
-            </a:r>
-            <a:r>
-              <a:rPr lang="en-US" altLang="ko-KR" sz="1600" b="1" u="sng" spc="65">
-                <a:solidFill>
-                  <a:schemeClr val="bg1"/>
-                </a:solidFill>
-                <a:latin typeface="맑은 고딕"/>
-                <a:cs typeface="맑은 고딕"/>
-              </a:rPr>
-              <a:t>'Shortcut application is complete.' </a:t>
-            </a:r>
-            <a:r>
-              <a:rPr lang="en-US" altLang="ko-KR" sz="1600" spc="65">
-                <a:solidFill>
-                  <a:schemeClr val="bg1"/>
-                </a:solidFill>
-                <a:latin typeface="맑은 고딕"/>
-                <a:cs typeface="맑은 고딕"/>
-              </a:rPr>
-              <a:t>in the Setup Window. The patch is finally completed when the message pops up.</a:t>
+              <a:t> in the Setup Window. The patch is finally completed when the message pops up.</a:t>
             </a:r>
             <a:endParaRPr lang="ko-KR" altLang="en-US" sz="1600">
               <a:solidFill>
@@ -1665,7 +1649,7 @@
                 </a:solidFill>
                 <a:latin typeface="Inter Light" panose="02000503000000020004" pitchFamily="2" charset="0"/>
               </a:rPr>
-              <a:t>1.1.</a:t>
+              <a:t>1.</a:t>
             </a:r>
             <a:r>
               <a:rPr lang="en-US" altLang="ko-KR">
@@ -1674,7 +1658,25 @@
                 </a:solidFill>
                 <a:latin typeface="Inter Light" panose="02000503000000020004" pitchFamily="2" charset="0"/>
               </a:rPr>
-              <a:t>10</a:t>
+              <a:t>2</a:t>
+            </a:r>
+            <a:r>
+              <a:rPr lang="ko-KR" altLang="en-US">
+                <a:solidFill>
+                  <a:schemeClr val="bg1"/>
+                </a:solidFill>
+                <a:latin typeface="Inter Light" panose="02000503000000020004" pitchFamily="2" charset="0"/>
+              </a:rPr>
+              <a:t>.</a:t>
+            </a:r>
+            <a:r>
+              <a:rPr lang="en-US" altLang="ko-KR">
+                <a:solidFill>
+                  <a:schemeClr val="bg1"/>
+                </a:solidFill>
+                <a:latin typeface="Inter Light" panose="02000503000000020004" pitchFamily="2" charset="0"/>
+              </a:rPr>
+              <a:t>0</a:t>
             </a:r>
             <a:r>
               <a:rPr lang="ko-KR" altLang="en-US">
@@ -1788,10 +1790,10 @@
       </p:sp>
       <p:pic>
         <p:nvPicPr>
-          <p:cNvPr id="20" name="Picture 19">
+          <p:cNvPr id="12" name="그림 11">
             <a:extLst>
               <a:ext uri="{FF2B5EF4-FFF2-40B4-BE49-F238E27FC236}">
-                <a16:creationId xmlns:a16="http://schemas.microsoft.com/office/drawing/2014/main" id="{ABB1B253-517D-4194-B140-168B9230A39C}"/>
+                <a16:creationId xmlns:a16="http://schemas.microsoft.com/office/drawing/2014/main" id="{F83B904C-FB89-4668-96B7-38F9F8E7709E}"/>
               </a:ext>
             </a:extLst>
           </p:cNvPr>
@@ -1814,8 +1816,8 @@
         </p:blipFill>
         <p:spPr>
           <a:xfrm>
-            <a:off x="800498" y="1226739"/>
-            <a:ext cx="472677" cy="472677"/>
+            <a:off x="786209" y="1204695"/>
+            <a:ext cx="472678" cy="472678"/>
           </a:xfrm>
           <a:prstGeom prst="rect">
             <a:avLst/>
@@ -1824,10 +1826,10 @@
       </p:pic>
       <p:pic>
         <p:nvPicPr>
-          <p:cNvPr id="12" name="Picture 11">
+          <p:cNvPr id="15" name="그림 14">
             <a:extLst>
               <a:ext uri="{FF2B5EF4-FFF2-40B4-BE49-F238E27FC236}">
-                <a16:creationId xmlns:a16="http://schemas.microsoft.com/office/drawing/2014/main" id="{1C7CD093-9B3C-4B6E-A268-2645BA4D61D4}"/>
+                <a16:creationId xmlns:a16="http://schemas.microsoft.com/office/drawing/2014/main" id="{3802EAE4-08FF-4393-ADE0-B31EB936D73E}"/>
               </a:ext>
             </a:extLst>
           </p:cNvPr>
@@ -1844,8 +1846,8 @@
         </p:blipFill>
         <p:spPr>
           <a:xfrm>
-            <a:off x="330708" y="5883148"/>
-            <a:ext cx="3701790" cy="1761336"/>
+            <a:off x="330708" y="5886958"/>
+            <a:ext cx="3701794" cy="1761337"/>
           </a:xfrm>
           <a:prstGeom prst="rect">
             <a:avLst/>
@@ -1886,7 +1888,7 @@
         <p:spPr>
           <a:xfrm>
             <a:off x="383540" y="2564764"/>
-            <a:ext cx="6169660" cy="790281"/>
+            <a:ext cx="3807460" cy="790281"/>
           </a:xfrm>
           <a:prstGeom prst="rect">
             <a:avLst/>
@@ -1907,17 +1909,17 @@
               </a:spcBef>
             </a:pPr>
             <a:r>
-              <a:rPr lang="en-US">
+              <a:rPr lang="en-US" sz="1800">
                 <a:solidFill>
                   <a:schemeClr val="bg1"/>
                 </a:solidFill>
                 <a:latin typeface="맑은 고딕"/>
                 <a:cs typeface="맑은 고딕"/>
               </a:rPr>
-              <a:t>When the installation is complete,</a:t>
+              <a:t>When the installation is complete, </a:t>
             </a:r>
             <a:br>
-              <a:rPr lang="en-US">
+              <a:rPr lang="en-US" sz="1800">
                 <a:solidFill>
                   <a:schemeClr val="bg1"/>
                 </a:solidFill>
@@ -1926,7 +1928,7 @@
               </a:rPr>
             </a:br>
             <a:r>
-              <a:rPr lang="en-US">
+              <a:rPr lang="en-US" sz="1800">
                 <a:solidFill>
                   <a:schemeClr val="bg1"/>
                 </a:solidFill>
@@ -1935,7 +1937,7 @@
               </a:rPr>
               <a:t>you will see the following message.</a:t>
             </a:r>
-            <a:endParaRPr>
+            <a:endParaRPr sz="1800">
               <a:solidFill>
                 <a:schemeClr val="bg1"/>
               </a:solidFill>
@@ -2025,7 +2027,7 @@
         <p:spPr>
           <a:xfrm>
             <a:off x="383540" y="4038600"/>
-            <a:ext cx="1597660" cy="374783"/>
+            <a:ext cx="852169" cy="374783"/>
           </a:xfrm>
           <a:prstGeom prst="rect">
             <a:avLst/>
@@ -2046,14 +2048,34 @@
               </a:spcBef>
             </a:pPr>
             <a:r>
-              <a:rPr lang="en-US" b="1">
+              <a:rPr b="1" dirty="0">
                 <a:solidFill>
                   <a:schemeClr val="bg1"/>
                 </a:solidFill>
                 <a:latin typeface="맑은 고딕"/>
                 <a:cs typeface="맑은 고딕"/>
               </a:rPr>
-              <a:t>How to use :</a:t>
+              <a:t>사용법</a:t>
+            </a:r>
+            <a:r>
+              <a:rPr b="1" spc="-90" dirty="0">
+                <a:solidFill>
+                  <a:schemeClr val="bg1"/>
+                </a:solidFill>
+                <a:latin typeface="맑은 고딕"/>
+                <a:cs typeface="맑은 고딕"/>
+              </a:rPr>
+              <a:t> </a:t>
+            </a:r>
+            <a:r>
+              <a:rPr b="1" dirty="0">
+                <a:solidFill>
+                  <a:schemeClr val="bg1"/>
+                </a:solidFill>
+                <a:latin typeface="맑은 고딕"/>
+                <a:cs typeface="맑은 고딕"/>
+              </a:rPr>
+              <a:t>:</a:t>
             </a:r>
             <a:endParaRPr>
               <a:solidFill>
@@ -2156,22 +2178,7 @@
                   <a:schemeClr val="bg1"/>
                 </a:solidFill>
               </a:rPr>
-              <a:t>The shortcut for UV node is U, and while holding down the U key,</a:t>
-            </a:r>
-          </a:p>
-          <a:p>
-            <a:pPr>
-              <a:lnSpc>
-                <a:spcPct val="150000"/>
-              </a:lnSpc>
-            </a:pPr>
-            <a:r>
-              <a:rPr lang="en-US" altLang="ko-KR">
-                <a:solidFill>
-                  <a:schemeClr val="bg1"/>
-                </a:solidFill>
-              </a:rPr>
-              <a:t>If you click the left mouse button, a node will appear at the mouse cursor position.</a:t>
+              <a:t>The shortcut for UV node is U, and while holding down the U key, If you click the left mouse button, a node will appear at the mouse cursor position.</a:t>
             </a:r>
           </a:p>
           <a:p>
@@ -2198,10 +2205,10 @@
       </p:sp>
       <p:pic>
         <p:nvPicPr>
-          <p:cNvPr id="11" name="Picture 10">
+          <p:cNvPr id="11" name="그림 10">
             <a:extLst>
               <a:ext uri="{FF2B5EF4-FFF2-40B4-BE49-F238E27FC236}">
-                <a16:creationId xmlns:a16="http://schemas.microsoft.com/office/drawing/2014/main" id="{7FEBF0F4-B894-409D-9F16-5724F5ACFFFE}"/>
+                <a16:creationId xmlns:a16="http://schemas.microsoft.com/office/drawing/2014/main" id="{337F2DA6-81EB-4DB5-9A8B-AA9238D70B2E}"/>
               </a:ext>
             </a:extLst>
           </p:cNvPr>
@@ -2218,8 +2225,8 @@
         </p:blipFill>
         <p:spPr>
           <a:xfrm>
-            <a:off x="358139" y="826435"/>
-            <a:ext cx="3636071" cy="1683987"/>
+            <a:off x="358316" y="816483"/>
+            <a:ext cx="3674353" cy="1748281"/>
           </a:xfrm>
           <a:prstGeom prst="rect">
             <a:avLst/>
@@ -2260,7 +2267,7 @@
         <p:spPr>
           <a:xfrm>
             <a:off x="375614" y="440563"/>
-            <a:ext cx="1834185" cy="289823"/>
+            <a:ext cx="1605583" cy="289823"/>
           </a:xfrm>
           <a:prstGeom prst="rect">
             <a:avLst/>
@@ -2492,14 +2499,14 @@
           <p:nvPr>
             <p:extLst>
               <p:ext uri="{D42A27DB-BD31-4B8C-83A1-F6EECF244321}">
-                <p14:modId xmlns:p14="http://schemas.microsoft.com/office/powerpoint/2010/main" val="479594600"/>
+                <p14:modId xmlns:p14="http://schemas.microsoft.com/office/powerpoint/2010/main" val="3874973504"/>
               </p:ext>
             </p:extLst>
           </p:nvPr>
         </p:nvGraphicFramePr>
         <p:xfrm>
-          <a:off x="683309" y="1281450"/>
-          <a:ext cx="2974285" cy="10149840"/>
+          <a:off x="683310" y="1281450"/>
+          <a:ext cx="3028996" cy="10149840"/>
         </p:xfrm>
         <a:graphic>
           <a:graphicData uri="http://schemas.openxmlformats.org/drawingml/2006/table">
@@ -2508,14 +2515,14 @@
                 <a:tableStyleId>{2D5ABB26-0587-4C30-8999-92F81FD0307C}</a:tableStyleId>
               </a:tblPr>
               <a:tblGrid>
-                <a:gridCol w="2059891">
+                <a:gridCol w="2212290">
                   <a:extLst>
                     <a:ext uri="{9D8B030D-6E8A-4147-A177-3AD203B41FA5}">
                       <a16:colId xmlns:a16="http://schemas.microsoft.com/office/drawing/2014/main" val="20000"/>
                     </a:ext>
                   </a:extLst>
                 </a:gridCol>
-                <a:gridCol w="914394">
+                <a:gridCol w="816706">
                   <a:extLst>
                     <a:ext uri="{9D8B030D-6E8A-4147-A177-3AD203B41FA5}">
                       <a16:colId xmlns:a16="http://schemas.microsoft.com/office/drawing/2014/main" val="20001"/>
@@ -4741,12 +4748,20 @@
           <a:p>
             <a:pPr algn="ctr"/>
             <a:r>
+              <a:rPr lang="en-US" altLang="ko-KR">
+                <a:solidFill>
+                  <a:schemeClr val="bg1"/>
+                </a:solidFill>
+              </a:rPr>
+              <a:t>Assets/Plugins/ShaderGraphHotKey/Settings</a:t>
+            </a:r>
+            <a:r>
               <a:rPr lang="ko-KR" altLang="en-US">
                 <a:solidFill>
                   <a:schemeClr val="bg1"/>
                 </a:solidFill>
               </a:rPr>
-              <a:t>Assets/Plugins/ShaderGraphHotKey/Settings/HotKeySettings.asset</a:t>
+              <a:t>/HotKeySettings.asset</a:t>
             </a:r>
           </a:p>
         </p:txBody>
@@ -4774,35 +4789,6 @@
           <a:xfrm>
             <a:off x="457200" y="2738815"/>
             <a:ext cx="1579081" cy="1866900"/>
-          </a:xfrm>
-          <a:prstGeom prst="rect">
-            <a:avLst/>
-          </a:prstGeom>
-        </p:spPr>
-      </p:pic>
-      <p:pic>
-        <p:nvPicPr>
-          <p:cNvPr id="14" name="Picture 13">
-            <a:extLst>
-              <a:ext uri="{FF2B5EF4-FFF2-40B4-BE49-F238E27FC236}">
-                <a16:creationId xmlns:a16="http://schemas.microsoft.com/office/drawing/2014/main" id="{B1A0DADD-24C1-4FB9-B301-44EE14072357}"/>
-              </a:ext>
-            </a:extLst>
-          </p:cNvPr>
-          <p:cNvPicPr>
-            <a:picLocks noChangeAspect="1"/>
-          </p:cNvPicPr>
-          <p:nvPr/>
-        </p:nvPicPr>
-        <p:blipFill rotWithShape="1">
-          <a:blip r:embed="rId3"/>
-          <a:srcRect b="40625"/>
-          <a:stretch/>
-        </p:blipFill>
-        <p:spPr>
-          <a:xfrm>
-            <a:off x="2362200" y="1143000"/>
-            <a:ext cx="4114800" cy="5058530"/>
           </a:xfrm>
           <a:prstGeom prst="rect">
             <a:avLst/>
@@ -4988,6 +4974,35 @@
           </a:p>
         </p:txBody>
       </p:sp>
+      <p:pic>
+        <p:nvPicPr>
+          <p:cNvPr id="13" name="그림 12">
+            <a:extLst>
+              <a:ext uri="{FF2B5EF4-FFF2-40B4-BE49-F238E27FC236}">
+                <a16:creationId xmlns:a16="http://schemas.microsoft.com/office/drawing/2014/main" id="{F41B3EEC-A18B-4B39-8120-57D5E1A22E26}"/>
+              </a:ext>
+            </a:extLst>
+          </p:cNvPr>
+          <p:cNvPicPr>
+            <a:picLocks noChangeAspect="1"/>
+          </p:cNvPicPr>
+          <p:nvPr/>
+        </p:nvPicPr>
+        <p:blipFill rotWithShape="1">
+          <a:blip r:embed="rId4"/>
+          <a:srcRect b="38899"/>
+          <a:stretch/>
+        </p:blipFill>
+        <p:spPr>
+          <a:xfrm>
+            <a:off x="2632801" y="983880"/>
+            <a:ext cx="3867059" cy="5111713"/>
+          </a:xfrm>
+          <a:prstGeom prst="rect">
+            <a:avLst/>
+          </a:prstGeom>
+        </p:spPr>
+      </p:pic>
     </p:spTree>
     <p:extLst>
       <p:ext uri="{BB962C8B-B14F-4D97-AF65-F5344CB8AC3E}">
@@ -5082,7 +5097,7 @@
         <p:spPr>
           <a:xfrm>
             <a:off x="400050" y="2379807"/>
-            <a:ext cx="6305550" cy="1285288"/>
+            <a:ext cx="6099810" cy="1152688"/>
           </a:xfrm>
           <a:prstGeom prst="rect">
             <a:avLst/>
@@ -5101,26 +5116,17 @@
               </a:lnSpc>
             </a:pPr>
             <a:r>
-              <a:rPr lang="en-US" altLang="ko-KR">
+              <a:rPr lang="en-US" altLang="ko-KR" sz="1600">
                 <a:solidFill>
                   <a:schemeClr val="bg1"/>
                 </a:solidFill>
                 <a:latin typeface="+mj-ea"/>
                 <a:ea typeface="+mj-ea"/>
               </a:rPr>
-              <a:t>If you move from the package folder to the following path, you can see the nodes used in the shader graph.</a:t>
+              <a:t>If you move from the package folder to the following path, you can see the nodes used in the shader graph.(It is </a:t>
             </a:r>
-            <a:br>
-              <a:rPr lang="en-US" altLang="ko-KR">
-                <a:solidFill>
-                  <a:schemeClr val="bg1"/>
-                </a:solidFill>
-                <a:latin typeface="+mj-ea"/>
-                <a:ea typeface="+mj-ea"/>
-              </a:rPr>
-            </a:br>
             <a:r>
-              <a:rPr lang="en-US" altLang="ko-KR">
+              <a:rPr lang="en-US" altLang="ko-KR" sz="1600">
                 <a:solidFill>
                   <a:schemeClr val="tx1">
                     <a:lumMod val="50000"/>
@@ -5130,9 +5136,9 @@
                 <a:latin typeface="+mj-ea"/>
                 <a:ea typeface="+mj-ea"/>
               </a:rPr>
-              <a:t>(It is recommended to use only what is in the folder)</a:t>
+              <a:t>recommended to use only what is in the folder)</a:t>
             </a:r>
-            <a:endParaRPr lang="ko-KR" altLang="en-US">
+            <a:endParaRPr lang="ko-KR" altLang="en-US" sz="1600">
               <a:solidFill>
                 <a:schemeClr val="tx1">
                   <a:lumMod val="50000"/>
@@ -5257,17 +5263,15 @@
               </a:rPr>
               <a:t>Assuming this node applies to shortcut keys,</a:t>
             </a:r>
-            <a:br>
+          </a:p>
+          <a:p>
+            <a:pPr>
+              <a:lnSpc>
+                <a:spcPct val="150000"/>
+              </a:lnSpc>
+            </a:pPr>
+            <a:r>
               <a:rPr lang="en-US" altLang="ko-KR">
-                <a:solidFill>
-                  <a:schemeClr val="bg1"/>
-                </a:solidFill>
-                <a:latin typeface="+mj-ea"/>
-                <a:ea typeface="+mj-ea"/>
-              </a:rPr>
-            </a:br>
-            <a:r>
-              <a:rPr lang="en-US" altLang="ko-KR" b="1" u="sng">
                 <a:solidFill>
                   <a:schemeClr val="bg1"/>
                 </a:solidFill>
@@ -5276,15 +5280,13 @@
               </a:rPr>
               <a:t>copy the node's class name.</a:t>
             </a:r>
-            <a:br>
-              <a:rPr lang="en-US" altLang="ko-KR">
-                <a:solidFill>
-                  <a:schemeClr val="bg1"/>
-                </a:solidFill>
-                <a:latin typeface="+mj-ea"/>
-                <a:ea typeface="+mj-ea"/>
-              </a:rPr>
-            </a:br>
+          </a:p>
+          <a:p>
+            <a:pPr>
+              <a:lnSpc>
+                <a:spcPct val="150000"/>
+              </a:lnSpc>
+            </a:pPr>
             <a:r>
               <a:rPr lang="en-US" altLang="ko-KR" sz="1200">
                 <a:solidFill>
@@ -5296,35 +5298,18 @@
                 <a:latin typeface="+mj-ea"/>
                 <a:ea typeface="+mj-ea"/>
               </a:rPr>
-              <a:t>TMI :</a:t>
+              <a:t>TMI : Sometimes, the C# file name and the class name are different, so be careful.</a:t>
             </a:r>
-            <a:r>
-              <a:rPr lang="en-US" altLang="ko-KR" sz="1200">
-                <a:solidFill>
-                  <a:schemeClr val="tx1">
-                    <a:lumMod val="50000"/>
-                    <a:lumOff val="50000"/>
-                  </a:schemeClr>
-                </a:solidFill>
-                <a:latin typeface="+mj-ea"/>
-                <a:ea typeface="+mj-ea"/>
-                <a:sym typeface="Wingdings" panose="05000000000000000000" pitchFamily="2" charset="2"/>
-              </a:rPr>
-              <a:t> </a:t>
-            </a:r>
-            <a:r>
-              <a:rPr lang="en-US" altLang="ko-KR" sz="1200">
-                <a:solidFill>
-                  <a:schemeClr val="tx1">
-                    <a:lumMod val="50000"/>
-                    <a:lumOff val="50000"/>
-                  </a:schemeClr>
-                </a:solidFill>
-                <a:latin typeface="+mj-ea"/>
-                <a:ea typeface="+mj-ea"/>
-              </a:rPr>
-              <a:t>Sometimes, the C# file name and the class name are different, so be careful.</a:t>
-            </a:r>
+            <a:endParaRPr lang="en-US" altLang="ko-KR" sz="1000">
+              <a:solidFill>
+                <a:schemeClr val="tx1">
+                  <a:lumMod val="50000"/>
+                  <a:lumOff val="50000"/>
+                </a:schemeClr>
+              </a:solidFill>
+              <a:latin typeface="+mj-ea"/>
+              <a:ea typeface="+mj-ea"/>
+            </a:endParaRPr>
           </a:p>
         </p:txBody>
       </p:sp>
@@ -5652,14 +5637,14 @@
               </a:spcBef>
             </a:pPr>
             <a:r>
-              <a:rPr lang="en-US" altLang="ko-KR" b="1">
+              <a:rPr lang="ko-KR" altLang="en-US" b="1">
                 <a:solidFill>
                   <a:schemeClr val="bg1"/>
                 </a:solidFill>
                 <a:latin typeface="맑은 고딕"/>
                 <a:cs typeface="맑은 고딕"/>
               </a:rPr>
-              <a:t>How to add shortcuts</a:t>
+              <a:t>단축키를 추가하는 방법</a:t>
             </a:r>
             <a:endParaRPr sz="1800">
               <a:solidFill>
@@ -5821,7 +5806,7 @@
                 <a:latin typeface="+mj-ea"/>
                 <a:ea typeface="+mj-ea"/>
               </a:rPr>
-              <a:t>End!</a:t>
+              <a:t>END!</a:t>
             </a:r>
             <a:endParaRPr lang="ko-KR" altLang="en-US" sz="4000">
               <a:solidFill>
@@ -5880,7 +5865,7 @@
         </p:nvSpPr>
         <p:spPr>
           <a:xfrm>
-            <a:off x="375613" y="4267200"/>
+            <a:off x="375613" y="7543800"/>
             <a:ext cx="6068073" cy="1285288"/>
           </a:xfrm>
           <a:prstGeom prst="rect">
@@ -5909,15 +5894,13 @@
               </a:rPr>
               <a:t>Caution!</a:t>
             </a:r>
-            <a:br>
-              <a:rPr lang="en-US" altLang="ko-KR" b="1">
-                <a:solidFill>
-                  <a:schemeClr val="bg1"/>
-                </a:solidFill>
-                <a:latin typeface="+mj-ea"/>
-                <a:ea typeface="+mj-ea"/>
-              </a:rPr>
-            </a:br>
+          </a:p>
+          <a:p>
+            <a:pPr>
+              <a:lnSpc>
+                <a:spcPct val="150000"/>
+              </a:lnSpc>
+            </a:pPr>
             <a:r>
               <a:rPr lang="en-US" altLang="ko-KR">
                 <a:solidFill>
@@ -5935,6 +5918,82 @@
               <a:latin typeface="+mj-ea"/>
               <a:ea typeface="+mj-ea"/>
             </a:endParaRPr>
+          </a:p>
+        </p:txBody>
+      </p:sp>
+      <p:pic>
+        <p:nvPicPr>
+          <p:cNvPr id="4" name="그림 3">
+            <a:extLst>
+              <a:ext uri="{FF2B5EF4-FFF2-40B4-BE49-F238E27FC236}">
+                <a16:creationId xmlns:a16="http://schemas.microsoft.com/office/drawing/2014/main" id="{771C9A2B-275E-4743-8EAC-74F5A3A94CE8}"/>
+              </a:ext>
+            </a:extLst>
+          </p:cNvPr>
+          <p:cNvPicPr>
+            <a:picLocks noChangeAspect="1"/>
+          </p:cNvPicPr>
+          <p:nvPr/>
+        </p:nvPicPr>
+        <p:blipFill>
+          <a:blip r:embed="rId3"/>
+          <a:stretch>
+            <a:fillRect/>
+          </a:stretch>
+        </p:blipFill>
+        <p:spPr>
+          <a:xfrm>
+            <a:off x="331175" y="4003915"/>
+            <a:ext cx="6170245" cy="1730856"/>
+          </a:xfrm>
+          <a:prstGeom prst="rect">
+            <a:avLst/>
+          </a:prstGeom>
+        </p:spPr>
+      </p:pic>
+      <p:sp>
+        <p:nvSpPr>
+          <p:cNvPr id="9" name="TextBox 8">
+            <a:extLst>
+              <a:ext uri="{FF2B5EF4-FFF2-40B4-BE49-F238E27FC236}">
+                <a16:creationId xmlns:a16="http://schemas.microsoft.com/office/drawing/2014/main" id="{093CFDB7-B36B-40FA-9778-6DCD73041344}"/>
+              </a:ext>
+            </a:extLst>
+          </p:cNvPr>
+          <p:cNvSpPr txBox="1"/>
+          <p:nvPr/>
+        </p:nvSpPr>
+        <p:spPr>
+          <a:xfrm>
+            <a:off x="343877" y="5776719"/>
+            <a:ext cx="6099810" cy="869790"/>
+          </a:xfrm>
+          <a:prstGeom prst="rect">
+            <a:avLst/>
+          </a:prstGeom>
+          <a:noFill/>
+        </p:spPr>
+        <p:txBody>
+          <a:bodyPr wrap="square">
+            <a:spAutoFit/>
+          </a:bodyPr>
+          <a:lstStyle/>
+          <a:p>
+            <a:pPr>
+              <a:lnSpc>
+                <a:spcPct val="150000"/>
+              </a:lnSpc>
+            </a:pPr>
+            <a:r>
+              <a:rPr lang="en-US" altLang="ko-KR">
+                <a:solidFill>
+                  <a:schemeClr val="bg1"/>
+                </a:solidFill>
+                <a:latin typeface="+mj-ea"/>
+                <a:ea typeface="+mj-ea"/>
+              </a:rPr>
+              <a:t>When the Refresh button becomes active, click it to finalize the application.</a:t>
+            </a:r>
           </a:p>
         </p:txBody>
       </p:sp>

--- a/Document EN.pptx
+++ b/Document EN.pptx
@@ -11,6 +11,10 @@
     <p:sldId id="259" r:id="rId5"/>
     <p:sldId id="260" r:id="rId6"/>
     <p:sldId id="261" r:id="rId7"/>
+    <p:sldId id="262" r:id="rId8"/>
+    <p:sldId id="263" r:id="rId9"/>
+    <p:sldId id="264" r:id="rId10"/>
+    <p:sldId id="265" r:id="rId11"/>
   </p:sldIdLst>
   <p:sldSz cx="6858000" cy="12192000"/>
   <p:notesSz cx="6858000" cy="12192000"/>
@@ -267,7 +271,7 @@
           <a:p>
             <a:fld id="{1D8BD707-D9CF-40AE-B4C6-C98DA3205C09}" type="datetimeFigureOut">
               <a:rPr lang="en-US"/>
-              <a:t>6/9/2022</a:t>
+              <a:t>6/12/2022</a:t>
             </a:fld>
             <a:endParaRPr lang="en-US"/>
           </a:p>
@@ -432,7 +436,7 @@
           <a:p>
             <a:fld id="{1D8BD707-D9CF-40AE-B4C6-C98DA3205C09}" type="datetimeFigureOut">
               <a:rPr lang="en-US"/>
-              <a:t>6/9/2022</a:t>
+              <a:t>6/12/2022</a:t>
             </a:fld>
             <a:endParaRPr lang="en-US"/>
           </a:p>
@@ -640,7 +644,7 @@
           <a:p>
             <a:fld id="{1D8BD707-D9CF-40AE-B4C6-C98DA3205C09}" type="datetimeFigureOut">
               <a:rPr lang="en-US"/>
-              <a:t>6/9/2022</a:t>
+              <a:t>6/12/2022</a:t>
             </a:fld>
             <a:endParaRPr lang="en-US"/>
           </a:p>
@@ -782,7 +786,7 @@
           <a:p>
             <a:fld id="{1D8BD707-D9CF-40AE-B4C6-C98DA3205C09}" type="datetimeFigureOut">
               <a:rPr lang="en-US"/>
-              <a:t>6/9/2022</a:t>
+              <a:t>6/12/2022</a:t>
             </a:fld>
             <a:endParaRPr lang="en-US"/>
           </a:p>
@@ -901,7 +905,7 @@
           <a:p>
             <a:fld id="{1D8BD707-D9CF-40AE-B4C6-C98DA3205C09}" type="datetimeFigureOut">
               <a:rPr lang="en-US"/>
-              <a:t>6/9/2022</a:t>
+              <a:t>6/12/2022</a:t>
             </a:fld>
             <a:endParaRPr lang="en-US"/>
           </a:p>
@@ -1164,7 +1168,7 @@
           <a:p>
             <a:fld id="{1D8BD707-D9CF-40AE-B4C6-C98DA3205C09}" type="datetimeFigureOut">
               <a:rPr lang="en-US"/>
-              <a:t>6/9/2022</a:t>
+              <a:t>6/12/2022</a:t>
             </a:fld>
             <a:endParaRPr lang="en-US"/>
           </a:p>
@@ -1385,74 +1389,6 @@
       </p:grpSpPr>
       <p:sp>
         <p:nvSpPr>
-          <p:cNvPr id="2" name="object 2"/>
-          <p:cNvSpPr txBox="1"/>
-          <p:nvPr/>
-        </p:nvSpPr>
-        <p:spPr>
-          <a:xfrm>
-            <a:off x="368808" y="7648295"/>
-            <a:ext cx="6336792" cy="703847"/>
-          </a:xfrm>
-          <a:prstGeom prst="rect">
-            <a:avLst/>
-          </a:prstGeom>
-        </p:spPr>
-        <p:txBody>
-          <a:bodyPr vert="horz" wrap="square" lIns="0" tIns="12700" rIns="0" bIns="0" rtlCol="0">
-            <a:spAutoFit/>
-          </a:bodyPr>
-          <a:lstStyle/>
-          <a:p>
-            <a:pPr marL="12700" marR="5080">
-              <a:lnSpc>
-                <a:spcPct val="150000"/>
-              </a:lnSpc>
-              <a:spcBef>
-                <a:spcPts val="100"/>
-              </a:spcBef>
-            </a:pPr>
-            <a:r>
-              <a:rPr lang="en-US" sz="1600">
-                <a:solidFill>
-                  <a:schemeClr val="bg1"/>
-                </a:solidFill>
-                <a:latin typeface="맑은 고딕"/>
-                <a:cs typeface="맑은 고딕"/>
-              </a:rPr>
-              <a:t>At the top of Unity, click Windows -&gt; ShadowGraph Hotkey -&gt;</a:t>
-            </a:r>
-            <a:br>
-              <a:rPr lang="en-US" sz="1600">
-                <a:solidFill>
-                  <a:schemeClr val="bg1"/>
-                </a:solidFill>
-                <a:latin typeface="맑은 고딕"/>
-                <a:cs typeface="맑은 고딕"/>
-              </a:rPr>
-            </a:br>
-            <a:r>
-              <a:rPr lang="en-US" sz="1600">
-                <a:solidFill>
-                  <a:schemeClr val="bg1"/>
-                </a:solidFill>
-                <a:latin typeface="맑은 고딕"/>
-                <a:cs typeface="맑은 고딕"/>
-              </a:rPr>
-              <a:t>Setup Window, and then click the corresponding button.</a:t>
-            </a:r>
-            <a:endParaRPr sz="1400">
-              <a:solidFill>
-                <a:schemeClr val="bg1"/>
-              </a:solidFill>
-              <a:latin typeface="맑은 고딕"/>
-              <a:cs typeface="맑은 고딕"/>
-            </a:endParaRPr>
-          </a:p>
-        </p:txBody>
-      </p:sp>
-      <p:sp>
-        <p:nvSpPr>
           <p:cNvPr id="5" name="object 5"/>
           <p:cNvSpPr txBox="1"/>
           <p:nvPr/>
@@ -1511,99 +1447,6 @@
               <a:t>Prepare the state in which Shader Graph is installed.</a:t>
             </a:r>
             <a:endParaRPr lang="ko-KR" altLang="en-US" sz="1800">
-              <a:solidFill>
-                <a:schemeClr val="bg1"/>
-              </a:solidFill>
-              <a:latin typeface="맑은 고딕"/>
-              <a:cs typeface="맑은 고딕"/>
-            </a:endParaRPr>
-          </a:p>
-        </p:txBody>
-      </p:sp>
-      <p:sp>
-        <p:nvSpPr>
-          <p:cNvPr id="6" name="object 6"/>
-          <p:cNvSpPr txBox="1"/>
-          <p:nvPr/>
-        </p:nvSpPr>
-        <p:spPr>
-          <a:xfrm>
-            <a:off x="368808" y="10058400"/>
-            <a:ext cx="6176594" cy="1504707"/>
-          </a:xfrm>
-          <a:prstGeom prst="rect">
-            <a:avLst/>
-          </a:prstGeom>
-        </p:spPr>
-        <p:txBody>
-          <a:bodyPr vert="horz" wrap="square" lIns="0" tIns="123825" rIns="0" bIns="0" rtlCol="0">
-            <a:spAutoFit/>
-          </a:bodyPr>
-          <a:lstStyle/>
-          <a:p>
-            <a:pPr marL="12700" algn="just">
-              <a:lnSpc>
-                <a:spcPct val="100000"/>
-              </a:lnSpc>
-              <a:spcBef>
-                <a:spcPts val="975"/>
-              </a:spcBef>
-            </a:pPr>
-            <a:r>
-              <a:rPr lang="en-US" altLang="ko-KR" sz="1800" b="1" spc="-5">
-                <a:solidFill>
-                  <a:schemeClr val="bg1"/>
-                </a:solidFill>
-                <a:latin typeface="맑은 고딕"/>
-                <a:cs typeface="맑은 고딕"/>
-              </a:rPr>
-              <a:t>Installing :</a:t>
-            </a:r>
-            <a:endParaRPr lang="ko-KR" altLang="en-US" sz="1800">
-              <a:solidFill>
-                <a:schemeClr val="bg1"/>
-              </a:solidFill>
-              <a:latin typeface="맑은 고딕"/>
-              <a:cs typeface="맑은 고딕"/>
-            </a:endParaRPr>
-          </a:p>
-          <a:p>
-            <a:pPr marL="33655" marR="5080" algn="just">
-              <a:lnSpc>
-                <a:spcPts val="2970"/>
-              </a:lnSpc>
-            </a:pPr>
-            <a:r>
-              <a:rPr lang="en-US" altLang="ko-KR" sz="1600">
-                <a:solidFill>
-                  <a:schemeClr val="bg1"/>
-                </a:solidFill>
-                <a:latin typeface="맑은 고딕"/>
-                <a:cs typeface="맑은 고딕"/>
-              </a:rPr>
-              <a:t>During installation, Define is added, the function is activated, and </a:t>
-            </a:r>
-            <a:r>
-              <a:rPr lang="en-US" altLang="ko-KR" sz="1600" b="1" u="sng">
-                <a:solidFill>
-                  <a:schemeClr val="bg1"/>
-                </a:solidFill>
-                <a:latin typeface="맑은 고딕"/>
-                <a:cs typeface="맑은 고딕"/>
-              </a:rPr>
-              <a:t>'Shortcut key application is complete'</a:t>
-            </a:r>
-            <a:r>
-              <a:rPr lang="en-US" altLang="ko-KR" sz="1600">
-                <a:solidFill>
-                  <a:schemeClr val="bg1"/>
-                </a:solidFill>
-                <a:latin typeface="맑은 고딕"/>
-                <a:cs typeface="맑은 고딕"/>
-              </a:rPr>
-              <a:t> in the Setup Window. The patch is finally completed when the message pops up.</a:t>
-            </a:r>
-            <a:endParaRPr lang="ko-KR" altLang="en-US" sz="1600">
               <a:solidFill>
                 <a:schemeClr val="bg1"/>
               </a:solidFill>
@@ -1658,7 +1501,7 @@
                 </a:solidFill>
                 <a:latin typeface="Inter Light" panose="02000503000000020004" pitchFamily="2" charset="0"/>
               </a:rPr>
-              <a:t>2</a:t>
+              <a:t>4</a:t>
             </a:r>
             <a:r>
               <a:rPr lang="ko-KR" altLang="en-US">
@@ -1854,7 +1697,548 @@
           </a:prstGeom>
         </p:spPr>
       </p:pic>
+      <p:sp>
+        <p:nvSpPr>
+          <p:cNvPr id="13" name="object 6">
+            <a:extLst>
+              <a:ext uri="{FF2B5EF4-FFF2-40B4-BE49-F238E27FC236}">
+                <a16:creationId xmlns:a16="http://schemas.microsoft.com/office/drawing/2014/main" id="{8B741353-EB11-4ADB-B6CF-32134483E6AC}"/>
+              </a:ext>
+            </a:extLst>
+          </p:cNvPr>
+          <p:cNvSpPr txBox="1"/>
+          <p:nvPr/>
+        </p:nvSpPr>
+        <p:spPr>
+          <a:xfrm>
+            <a:off x="368808" y="10058400"/>
+            <a:ext cx="6176594" cy="1504707"/>
+          </a:xfrm>
+          <a:prstGeom prst="rect">
+            <a:avLst/>
+          </a:prstGeom>
+        </p:spPr>
+        <p:txBody>
+          <a:bodyPr vert="horz" wrap="square" lIns="0" tIns="123825" rIns="0" bIns="0" rtlCol="0">
+            <a:spAutoFit/>
+          </a:bodyPr>
+          <a:lstStyle/>
+          <a:p>
+            <a:pPr marL="12700" algn="just">
+              <a:lnSpc>
+                <a:spcPct val="100000"/>
+              </a:lnSpc>
+              <a:spcBef>
+                <a:spcPts val="975"/>
+              </a:spcBef>
+            </a:pPr>
+            <a:r>
+              <a:rPr lang="en-US" altLang="ko-KR" sz="1800" b="1" spc="-5">
+                <a:solidFill>
+                  <a:schemeClr val="bg1"/>
+                </a:solidFill>
+                <a:latin typeface="맑은 고딕"/>
+                <a:cs typeface="맑은 고딕"/>
+              </a:rPr>
+              <a:t>Installing :</a:t>
+            </a:r>
+            <a:endParaRPr lang="ko-KR" altLang="en-US" sz="1800">
+              <a:solidFill>
+                <a:schemeClr val="bg1"/>
+              </a:solidFill>
+              <a:latin typeface="맑은 고딕"/>
+              <a:cs typeface="맑은 고딕"/>
+            </a:endParaRPr>
+          </a:p>
+          <a:p>
+            <a:pPr marL="33655" marR="5080" algn="just">
+              <a:lnSpc>
+                <a:spcPts val="2970"/>
+              </a:lnSpc>
+            </a:pPr>
+            <a:r>
+              <a:rPr lang="en-US" altLang="ko-KR" sz="1600">
+                <a:solidFill>
+                  <a:schemeClr val="bg1"/>
+                </a:solidFill>
+                <a:latin typeface="맑은 고딕"/>
+                <a:cs typeface="맑은 고딕"/>
+              </a:rPr>
+              <a:t>During installation, Define is added, the function is activated, and </a:t>
+            </a:r>
+            <a:r>
+              <a:rPr lang="en-US" altLang="ko-KR" sz="1600" b="1" u="sng">
+                <a:solidFill>
+                  <a:schemeClr val="bg1"/>
+                </a:solidFill>
+                <a:latin typeface="맑은 고딕"/>
+                <a:cs typeface="맑은 고딕"/>
+              </a:rPr>
+              <a:t>'Shortcut key application is complete'</a:t>
+            </a:r>
+            <a:r>
+              <a:rPr lang="en-US" altLang="ko-KR" sz="1600">
+                <a:solidFill>
+                  <a:schemeClr val="bg1"/>
+                </a:solidFill>
+                <a:latin typeface="맑은 고딕"/>
+                <a:cs typeface="맑은 고딕"/>
+              </a:rPr>
+              <a:t> in the Setup Window. The patch is finally completed when the message pops up.</a:t>
+            </a:r>
+            <a:endParaRPr lang="ko-KR" altLang="en-US" sz="1600">
+              <a:solidFill>
+                <a:schemeClr val="bg1"/>
+              </a:solidFill>
+              <a:latin typeface="맑은 고딕"/>
+              <a:cs typeface="맑은 고딕"/>
+            </a:endParaRPr>
+          </a:p>
+        </p:txBody>
+      </p:sp>
+      <p:sp>
+        <p:nvSpPr>
+          <p:cNvPr id="19" name="object 2">
+            <a:extLst>
+              <a:ext uri="{FF2B5EF4-FFF2-40B4-BE49-F238E27FC236}">
+                <a16:creationId xmlns:a16="http://schemas.microsoft.com/office/drawing/2014/main" id="{77238C0E-9EEF-4E12-9B93-D3999A79A326}"/>
+              </a:ext>
+            </a:extLst>
+          </p:cNvPr>
+          <p:cNvSpPr txBox="1"/>
+          <p:nvPr/>
+        </p:nvSpPr>
+        <p:spPr>
+          <a:xfrm>
+            <a:off x="368808" y="7648295"/>
+            <a:ext cx="6336792" cy="703847"/>
+          </a:xfrm>
+          <a:prstGeom prst="rect">
+            <a:avLst/>
+          </a:prstGeom>
+        </p:spPr>
+        <p:txBody>
+          <a:bodyPr vert="horz" wrap="square" lIns="0" tIns="12700" rIns="0" bIns="0" rtlCol="0">
+            <a:spAutoFit/>
+          </a:bodyPr>
+          <a:lstStyle/>
+          <a:p>
+            <a:pPr marL="12700" marR="5080">
+              <a:lnSpc>
+                <a:spcPct val="150000"/>
+              </a:lnSpc>
+              <a:spcBef>
+                <a:spcPts val="100"/>
+              </a:spcBef>
+            </a:pPr>
+            <a:r>
+              <a:rPr lang="en-US" sz="1600">
+                <a:solidFill>
+                  <a:schemeClr val="bg1"/>
+                </a:solidFill>
+                <a:latin typeface="맑은 고딕"/>
+                <a:cs typeface="맑은 고딕"/>
+              </a:rPr>
+              <a:t>At the top of Unity, click Windows -&gt; ShadowGraph Hotkey -&gt;</a:t>
+            </a:r>
+            <a:br>
+              <a:rPr lang="en-US" sz="1600">
+                <a:solidFill>
+                  <a:schemeClr val="bg1"/>
+                </a:solidFill>
+                <a:latin typeface="맑은 고딕"/>
+                <a:cs typeface="맑은 고딕"/>
+              </a:rPr>
+            </a:br>
+            <a:r>
+              <a:rPr lang="en-US" sz="1600">
+                <a:solidFill>
+                  <a:schemeClr val="bg1"/>
+                </a:solidFill>
+                <a:latin typeface="맑은 고딕"/>
+                <a:cs typeface="맑은 고딕"/>
+              </a:rPr>
+              <a:t>Setup Window, and then click the corresponding button.</a:t>
+            </a:r>
+            <a:endParaRPr sz="1400">
+              <a:solidFill>
+                <a:schemeClr val="bg1"/>
+              </a:solidFill>
+              <a:latin typeface="맑은 고딕"/>
+              <a:cs typeface="맑은 고딕"/>
+            </a:endParaRPr>
+          </a:p>
+        </p:txBody>
+      </p:sp>
     </p:spTree>
+  </p:cSld>
+  <p:clrMapOvr>
+    <a:masterClrMapping/>
+  </p:clrMapOvr>
+</p:sld>
+</file>
+
+<file path=ppt/slides/slide10.xml><?xml version="1.0" encoding="utf-8"?>
+<p:sld xmlns:a="http://schemas.openxmlformats.org/drawingml/2006/main" xmlns:r="http://schemas.openxmlformats.org/officeDocument/2006/relationships" xmlns:p="http://schemas.openxmlformats.org/presentationml/2006/main">
+  <p:cSld>
+    <p:spTree>
+      <p:nvGrpSpPr>
+        <p:cNvPr id="1" name=""/>
+        <p:cNvGrpSpPr/>
+        <p:nvPr/>
+      </p:nvGrpSpPr>
+      <p:grpSpPr>
+        <a:xfrm>
+          <a:off x="0" y="0"/>
+          <a:ext cx="0" cy="0"/>
+          <a:chOff x="0" y="0"/>
+          <a:chExt cx="0" cy="0"/>
+        </a:xfrm>
+      </p:grpSpPr>
+      <p:sp>
+        <p:nvSpPr>
+          <p:cNvPr id="2" name="object 2"/>
+          <p:cNvSpPr txBox="1"/>
+          <p:nvPr/>
+        </p:nvSpPr>
+        <p:spPr>
+          <a:xfrm>
+            <a:off x="375105" y="435991"/>
+            <a:ext cx="1478280" cy="299720"/>
+          </a:xfrm>
+          <a:prstGeom prst="rect">
+            <a:avLst/>
+          </a:prstGeom>
+        </p:spPr>
+        <p:txBody>
+          <a:bodyPr vert="horz" wrap="square" lIns="0" tIns="12700" rIns="0" bIns="0" rtlCol="0">
+            <a:spAutoFit/>
+          </a:bodyPr>
+          <a:lstStyle/>
+          <a:p>
+            <a:pPr marL="12700">
+              <a:lnSpc>
+                <a:spcPct val="100000"/>
+              </a:lnSpc>
+              <a:spcBef>
+                <a:spcPts val="100"/>
+              </a:spcBef>
+            </a:pPr>
+            <a:r>
+              <a:rPr lang="en-US" sz="1800" b="1">
+                <a:solidFill>
+                  <a:srgbClr val="FFFFFF"/>
+                </a:solidFill>
+                <a:latin typeface="맑은 고딕"/>
+                <a:cs typeface="맑은 고딕"/>
+              </a:rPr>
+              <a:t>How to use</a:t>
+            </a:r>
+            <a:endParaRPr sz="1800">
+              <a:latin typeface="맑은 고딕"/>
+              <a:cs typeface="맑은 고딕"/>
+            </a:endParaRPr>
+          </a:p>
+        </p:txBody>
+      </p:sp>
+      <p:pic>
+        <p:nvPicPr>
+          <p:cNvPr id="12" name="그림 11">
+            <a:extLst>
+              <a:ext uri="{FF2B5EF4-FFF2-40B4-BE49-F238E27FC236}">
+                <a16:creationId xmlns:a16="http://schemas.microsoft.com/office/drawing/2014/main" id="{725C2968-3829-4A92-B8A5-1EB76766B79F}"/>
+              </a:ext>
+            </a:extLst>
+          </p:cNvPr>
+          <p:cNvPicPr>
+            <a:picLocks noChangeAspect="1"/>
+          </p:cNvPicPr>
+          <p:nvPr/>
+        </p:nvPicPr>
+        <p:blipFill>
+          <a:blip r:embed="rId2" cstate="print">
+            <a:extLst>
+              <a:ext uri="{28A0092B-C50C-407E-A947-70E740481C1C}">
+                <a14:useLocalDpi xmlns:a14="http://schemas.microsoft.com/office/drawing/2010/main" val="0"/>
+              </a:ext>
+            </a:extLst>
+          </a:blip>
+          <a:stretch>
+            <a:fillRect/>
+          </a:stretch>
+        </p:blipFill>
+        <p:spPr>
+          <a:xfrm>
+            <a:off x="375105" y="1048779"/>
+            <a:ext cx="3821104" cy="2100376"/>
+          </a:xfrm>
+          <a:prstGeom prst="rect">
+            <a:avLst/>
+          </a:prstGeom>
+        </p:spPr>
+      </p:pic>
+      <p:sp>
+        <p:nvSpPr>
+          <p:cNvPr id="13" name="object 11">
+            <a:extLst>
+              <a:ext uri="{FF2B5EF4-FFF2-40B4-BE49-F238E27FC236}">
+                <a16:creationId xmlns:a16="http://schemas.microsoft.com/office/drawing/2014/main" id="{8E6FAD0A-533E-46BB-A241-6A0773A144B1}"/>
+              </a:ext>
+            </a:extLst>
+          </p:cNvPr>
+          <p:cNvSpPr txBox="1"/>
+          <p:nvPr/>
+        </p:nvSpPr>
+        <p:spPr>
+          <a:xfrm>
+            <a:off x="375105" y="3195041"/>
+            <a:ext cx="5626100" cy="374783"/>
+          </a:xfrm>
+          <a:prstGeom prst="rect">
+            <a:avLst/>
+          </a:prstGeom>
+        </p:spPr>
+        <p:txBody>
+          <a:bodyPr vert="horz" wrap="square" lIns="0" tIns="12700" rIns="0" bIns="0" rtlCol="0">
+            <a:spAutoFit/>
+          </a:bodyPr>
+          <a:lstStyle/>
+          <a:p>
+            <a:pPr marL="12700" marR="5080">
+              <a:lnSpc>
+                <a:spcPct val="150000"/>
+              </a:lnSpc>
+              <a:spcBef>
+                <a:spcPts val="100"/>
+              </a:spcBef>
+            </a:pPr>
+            <a:r>
+              <a:rPr lang="en-US" altLang="ko-KR">
+                <a:solidFill>
+                  <a:srgbClr val="FFFFFF"/>
+                </a:solidFill>
+                <a:latin typeface="맑은 고딕"/>
+                <a:cs typeface="맑은 고딕"/>
+              </a:rPr>
+              <a:t>Click the screenshot button at the desired moment.</a:t>
+            </a:r>
+          </a:p>
+        </p:txBody>
+      </p:sp>
+      <p:sp>
+        <p:nvSpPr>
+          <p:cNvPr id="14" name="object 11">
+            <a:extLst>
+              <a:ext uri="{FF2B5EF4-FFF2-40B4-BE49-F238E27FC236}">
+                <a16:creationId xmlns:a16="http://schemas.microsoft.com/office/drawing/2014/main" id="{957B0B61-5223-455C-9557-F3113FE31705}"/>
+              </a:ext>
+            </a:extLst>
+          </p:cNvPr>
+          <p:cNvSpPr txBox="1"/>
+          <p:nvPr/>
+        </p:nvSpPr>
+        <p:spPr>
+          <a:xfrm>
+            <a:off x="375105" y="3968372"/>
+            <a:ext cx="5626100" cy="1218603"/>
+          </a:xfrm>
+          <a:prstGeom prst="rect">
+            <a:avLst/>
+          </a:prstGeom>
+        </p:spPr>
+        <p:txBody>
+          <a:bodyPr vert="horz" wrap="square" lIns="0" tIns="12700" rIns="0" bIns="0" rtlCol="0">
+            <a:spAutoFit/>
+          </a:bodyPr>
+          <a:lstStyle/>
+          <a:p>
+            <a:pPr marL="12700" marR="5080">
+              <a:lnSpc>
+                <a:spcPct val="150000"/>
+              </a:lnSpc>
+              <a:spcBef>
+                <a:spcPts val="100"/>
+              </a:spcBef>
+            </a:pPr>
+            <a:r>
+              <a:rPr lang="en-US" altLang="ko-KR">
+                <a:solidFill>
+                  <a:srgbClr val="FFFFFF"/>
+                </a:solidFill>
+                <a:latin typeface="맑은 고딕"/>
+                <a:cs typeface="맑은 고딕"/>
+              </a:rPr>
+              <a:t>TMI :</a:t>
+            </a:r>
+          </a:p>
+          <a:p>
+            <a:pPr marL="12700" marR="5080">
+              <a:lnSpc>
+                <a:spcPct val="150000"/>
+              </a:lnSpc>
+              <a:spcBef>
+                <a:spcPts val="100"/>
+              </a:spcBef>
+            </a:pPr>
+            <a:r>
+              <a:rPr lang="en-US" altLang="ko-KR">
+                <a:solidFill>
+                  <a:srgbClr val="FFFFFF"/>
+                </a:solidFill>
+                <a:latin typeface="맑은 고딕"/>
+                <a:cs typeface="맑은 고딕"/>
+              </a:rPr>
+              <a:t>When you click the button, the Graph Inspector/Main Preview/Blackboard is temporarily turned off.</a:t>
+            </a:r>
+          </a:p>
+        </p:txBody>
+      </p:sp>
+      <p:pic>
+        <p:nvPicPr>
+          <p:cNvPr id="5" name="그림 4">
+            <a:extLst>
+              <a:ext uri="{FF2B5EF4-FFF2-40B4-BE49-F238E27FC236}">
+                <a16:creationId xmlns:a16="http://schemas.microsoft.com/office/drawing/2014/main" id="{2A465B5C-7601-4E4B-8FB6-D869421BD2F8}"/>
+              </a:ext>
+            </a:extLst>
+          </p:cNvPr>
+          <p:cNvPicPr>
+            <a:picLocks noChangeAspect="1"/>
+          </p:cNvPicPr>
+          <p:nvPr/>
+        </p:nvPicPr>
+        <p:blipFill>
+          <a:blip r:embed="rId3" cstate="print">
+            <a:extLst>
+              <a:ext uri="{28A0092B-C50C-407E-A947-70E740481C1C}">
+                <a14:useLocalDpi xmlns:a14="http://schemas.microsoft.com/office/drawing/2010/main" val="0"/>
+              </a:ext>
+            </a:extLst>
+          </a:blip>
+          <a:stretch>
+            <a:fillRect/>
+          </a:stretch>
+        </p:blipFill>
+        <p:spPr>
+          <a:xfrm>
+            <a:off x="375105" y="5598433"/>
+            <a:ext cx="5327424" cy="2851356"/>
+          </a:xfrm>
+          <a:prstGeom prst="rect">
+            <a:avLst/>
+          </a:prstGeom>
+        </p:spPr>
+      </p:pic>
+      <p:sp>
+        <p:nvSpPr>
+          <p:cNvPr id="9" name="object 11">
+            <a:extLst>
+              <a:ext uri="{FF2B5EF4-FFF2-40B4-BE49-F238E27FC236}">
+                <a16:creationId xmlns:a16="http://schemas.microsoft.com/office/drawing/2014/main" id="{A0C82DD4-B503-4077-ACCA-D720596F2119}"/>
+              </a:ext>
+            </a:extLst>
+          </p:cNvPr>
+          <p:cNvSpPr txBox="1"/>
+          <p:nvPr/>
+        </p:nvSpPr>
+        <p:spPr>
+          <a:xfrm>
+            <a:off x="375104" y="8449789"/>
+            <a:ext cx="6235245" cy="374783"/>
+          </a:xfrm>
+          <a:prstGeom prst="rect">
+            <a:avLst/>
+          </a:prstGeom>
+        </p:spPr>
+        <p:txBody>
+          <a:bodyPr vert="horz" wrap="square" lIns="0" tIns="12700" rIns="0" bIns="0" rtlCol="0">
+            <a:spAutoFit/>
+          </a:bodyPr>
+          <a:lstStyle/>
+          <a:p>
+            <a:pPr marL="12700" marR="5080">
+              <a:lnSpc>
+                <a:spcPct val="150000"/>
+              </a:lnSpc>
+              <a:spcBef>
+                <a:spcPts val="100"/>
+              </a:spcBef>
+            </a:pPr>
+            <a:r>
+              <a:rPr lang="en-US" altLang="ko-KR">
+                <a:solidFill>
+                  <a:srgbClr val="FFFFFF"/>
+                </a:solidFill>
+                <a:latin typeface="맑은 고딕"/>
+                <a:cs typeface="맑은 고딕"/>
+              </a:rPr>
+              <a:t>When the action is done, you will get a Screenshot.png.</a:t>
+            </a:r>
+          </a:p>
+        </p:txBody>
+      </p:sp>
+      <p:sp>
+        <p:nvSpPr>
+          <p:cNvPr id="10" name="TextBox 9">
+            <a:extLst>
+              <a:ext uri="{FF2B5EF4-FFF2-40B4-BE49-F238E27FC236}">
+                <a16:creationId xmlns:a16="http://schemas.microsoft.com/office/drawing/2014/main" id="{9F4017FF-F306-4F60-8819-A5AAF120976E}"/>
+              </a:ext>
+            </a:extLst>
+          </p:cNvPr>
+          <p:cNvSpPr txBox="1"/>
+          <p:nvPr/>
+        </p:nvSpPr>
+        <p:spPr>
+          <a:xfrm>
+            <a:off x="4953000" y="10972800"/>
+            <a:ext cx="1657350" cy="896720"/>
+          </a:xfrm>
+          <a:prstGeom prst="rect">
+            <a:avLst/>
+          </a:prstGeom>
+          <a:noFill/>
+        </p:spPr>
+        <p:txBody>
+          <a:bodyPr wrap="square">
+            <a:spAutoFit/>
+          </a:bodyPr>
+          <a:lstStyle/>
+          <a:p>
+            <a:pPr algn="r">
+              <a:lnSpc>
+                <a:spcPct val="150000"/>
+              </a:lnSpc>
+            </a:pPr>
+            <a:r>
+              <a:rPr lang="en-US" altLang="ko-KR" sz="4000">
+                <a:solidFill>
+                  <a:schemeClr val="bg1"/>
+                </a:solidFill>
+                <a:latin typeface="+mj-ea"/>
+                <a:ea typeface="+mj-ea"/>
+              </a:rPr>
+              <a:t>END!</a:t>
+            </a:r>
+            <a:endParaRPr lang="ko-KR" altLang="en-US" sz="4000">
+              <a:solidFill>
+                <a:schemeClr val="tx1">
+                  <a:lumMod val="50000"/>
+                  <a:lumOff val="50000"/>
+                </a:schemeClr>
+              </a:solidFill>
+              <a:latin typeface="+mj-ea"/>
+              <a:ea typeface="+mj-ea"/>
+            </a:endParaRPr>
+          </a:p>
+        </p:txBody>
+      </p:sp>
+    </p:spTree>
+    <p:extLst>
+      <p:ext uri="{BB962C8B-B14F-4D97-AF65-F5344CB8AC3E}">
+        <p14:creationId xmlns:p14="http://schemas.microsoft.com/office/powerpoint/2010/main" val="3912378340"/>
+      </p:ext>
+    </p:extLst>
   </p:cSld>
   <p:clrMapOvr>
     <a:masterClrMapping/>
@@ -1879,123 +2263,6 @@
           <a:chExt cx="0" cy="0"/>
         </a:xfrm>
       </p:grpSpPr>
-      <p:sp>
-        <p:nvSpPr>
-          <p:cNvPr id="2" name="object 2"/>
-          <p:cNvSpPr txBox="1"/>
-          <p:nvPr/>
-        </p:nvSpPr>
-        <p:spPr>
-          <a:xfrm>
-            <a:off x="383540" y="2564764"/>
-            <a:ext cx="3807460" cy="790281"/>
-          </a:xfrm>
-          <a:prstGeom prst="rect">
-            <a:avLst/>
-          </a:prstGeom>
-        </p:spPr>
-        <p:txBody>
-          <a:bodyPr vert="horz" wrap="square" lIns="0" tIns="12700" rIns="0" bIns="0" rtlCol="0">
-            <a:spAutoFit/>
-          </a:bodyPr>
-          <a:lstStyle/>
-          <a:p>
-            <a:pPr marL="12700">
-              <a:lnSpc>
-                <a:spcPct val="150000"/>
-              </a:lnSpc>
-              <a:spcBef>
-                <a:spcPts val="100"/>
-              </a:spcBef>
-            </a:pPr>
-            <a:r>
-              <a:rPr lang="en-US" sz="1800">
-                <a:solidFill>
-                  <a:schemeClr val="bg1"/>
-                </a:solidFill>
-                <a:latin typeface="맑은 고딕"/>
-                <a:cs typeface="맑은 고딕"/>
-              </a:rPr>
-              <a:t>When the installation is complete, </a:t>
-            </a:r>
-            <a:br>
-              <a:rPr lang="en-US" sz="1800">
-                <a:solidFill>
-                  <a:schemeClr val="bg1"/>
-                </a:solidFill>
-                <a:latin typeface="맑은 고딕"/>
-                <a:cs typeface="맑은 고딕"/>
-              </a:rPr>
-            </a:br>
-            <a:r>
-              <a:rPr lang="en-US" sz="1800">
-                <a:solidFill>
-                  <a:schemeClr val="bg1"/>
-                </a:solidFill>
-                <a:latin typeface="맑은 고딕"/>
-                <a:cs typeface="맑은 고딕"/>
-              </a:rPr>
-              <a:t>you will see the following message.</a:t>
-            </a:r>
-            <a:endParaRPr sz="1800">
-              <a:solidFill>
-                <a:schemeClr val="bg1"/>
-              </a:solidFill>
-              <a:latin typeface="맑은 고딕"/>
-              <a:cs typeface="맑은 고딕"/>
-            </a:endParaRPr>
-          </a:p>
-        </p:txBody>
-      </p:sp>
-      <p:sp>
-        <p:nvSpPr>
-          <p:cNvPr id="3" name="object 3"/>
-          <p:cNvSpPr txBox="1"/>
-          <p:nvPr/>
-        </p:nvSpPr>
-        <p:spPr>
-          <a:xfrm>
-            <a:off x="348792" y="304800"/>
-            <a:ext cx="1094740" cy="374783"/>
-          </a:xfrm>
-          <a:prstGeom prst="rect">
-            <a:avLst/>
-          </a:prstGeom>
-        </p:spPr>
-        <p:txBody>
-          <a:bodyPr vert="horz" wrap="square" lIns="0" tIns="12700" rIns="0" bIns="0" rtlCol="0">
-            <a:spAutoFit/>
-          </a:bodyPr>
-          <a:lstStyle/>
-          <a:p>
-            <a:pPr marL="12700">
-              <a:lnSpc>
-                <a:spcPct val="150000"/>
-              </a:lnSpc>
-              <a:spcBef>
-                <a:spcPts val="100"/>
-              </a:spcBef>
-            </a:pPr>
-            <a:r>
-              <a:rPr lang="en-US" sz="1800" b="1">
-                <a:solidFill>
-                  <a:schemeClr val="bg1"/>
-                </a:solidFill>
-                <a:latin typeface="맑은 고딕"/>
-                <a:cs typeface="맑은 고딕"/>
-              </a:rPr>
-              <a:t>installed!</a:t>
-            </a:r>
-            <a:endParaRPr sz="1800">
-              <a:solidFill>
-                <a:schemeClr val="bg1"/>
-              </a:solidFill>
-              <a:latin typeface="맑은 고딕"/>
-              <a:cs typeface="맑은 고딕"/>
-            </a:endParaRPr>
-          </a:p>
-        </p:txBody>
-      </p:sp>
       <p:pic>
         <p:nvPicPr>
           <p:cNvPr id="5" name="object 5"/>
@@ -2027,7 +2294,7 @@
         <p:spPr>
           <a:xfrm>
             <a:off x="383540" y="4038600"/>
-            <a:ext cx="852169" cy="374783"/>
+            <a:ext cx="1750060" cy="374783"/>
           </a:xfrm>
           <a:prstGeom prst="rect">
             <a:avLst/>
@@ -2048,17 +2315,17 @@
               </a:spcBef>
             </a:pPr>
             <a:r>
-              <a:rPr b="1" dirty="0">
+              <a:rPr lang="en-US" b="1">
                 <a:solidFill>
                   <a:schemeClr val="bg1"/>
                 </a:solidFill>
                 <a:latin typeface="맑은 고딕"/>
                 <a:cs typeface="맑은 고딕"/>
               </a:rPr>
-              <a:t>사용법</a:t>
+              <a:t>How to use</a:t>
             </a:r>
             <a:r>
-              <a:rPr b="1" spc="-90" dirty="0">
+              <a:rPr b="1" spc="-90">
                 <a:solidFill>
                   <a:schemeClr val="bg1"/>
                 </a:solidFill>
@@ -2083,122 +2350,6 @@
               </a:solidFill>
               <a:latin typeface="맑은 고딕"/>
               <a:cs typeface="맑은 고딕"/>
-            </a:endParaRPr>
-          </a:p>
-        </p:txBody>
-      </p:sp>
-      <p:sp>
-        <p:nvSpPr>
-          <p:cNvPr id="13" name="TextBox 12">
-            <a:extLst>
-              <a:ext uri="{FF2B5EF4-FFF2-40B4-BE49-F238E27FC236}">
-                <a16:creationId xmlns:a16="http://schemas.microsoft.com/office/drawing/2014/main" id="{9AB4345E-A68D-430C-A0DE-8DE461A8DBDC}"/>
-              </a:ext>
-            </a:extLst>
-          </p:cNvPr>
-          <p:cNvSpPr txBox="1"/>
-          <p:nvPr/>
-        </p:nvSpPr>
-        <p:spPr>
-          <a:xfrm>
-            <a:off x="267426" y="9003268"/>
-            <a:ext cx="6576060" cy="369332"/>
-          </a:xfrm>
-          <a:prstGeom prst="rect">
-            <a:avLst/>
-          </a:prstGeom>
-          <a:noFill/>
-        </p:spPr>
-        <p:txBody>
-          <a:bodyPr wrap="square">
-            <a:spAutoFit/>
-          </a:bodyPr>
-          <a:lstStyle/>
-          <a:p>
-            <a:r>
-              <a:rPr lang="en-US" altLang="ko-KR">
-                <a:solidFill>
-                  <a:schemeClr val="bg1"/>
-                </a:solidFill>
-              </a:rPr>
-              <a:t>Usage is the </a:t>
-            </a:r>
-            <a:r>
-              <a:rPr lang="en-US" altLang="ko-KR" b="1" u="sng">
-                <a:solidFill>
-                  <a:schemeClr val="bg1"/>
-                </a:solidFill>
-              </a:rPr>
-              <a:t>same as the Amplify shader shortcut system.</a:t>
-            </a:r>
-            <a:endParaRPr lang="ko-KR" altLang="en-US" b="1" u="sng">
-              <a:solidFill>
-                <a:schemeClr val="bg1"/>
-              </a:solidFill>
-            </a:endParaRPr>
-          </a:p>
-        </p:txBody>
-      </p:sp>
-      <p:sp>
-        <p:nvSpPr>
-          <p:cNvPr id="15" name="TextBox 14">
-            <a:extLst>
-              <a:ext uri="{FF2B5EF4-FFF2-40B4-BE49-F238E27FC236}">
-                <a16:creationId xmlns:a16="http://schemas.microsoft.com/office/drawing/2014/main" id="{0690C026-B0DB-480C-B779-3A7EA5062D8E}"/>
-              </a:ext>
-            </a:extLst>
-          </p:cNvPr>
-          <p:cNvSpPr txBox="1"/>
-          <p:nvPr/>
-        </p:nvSpPr>
-        <p:spPr>
-          <a:xfrm>
-            <a:off x="267426" y="9677400"/>
-            <a:ext cx="6232434" cy="1711366"/>
-          </a:xfrm>
-          <a:prstGeom prst="rect">
-            <a:avLst/>
-          </a:prstGeom>
-          <a:noFill/>
-        </p:spPr>
-        <p:txBody>
-          <a:bodyPr wrap="square">
-            <a:spAutoFit/>
-          </a:bodyPr>
-          <a:lstStyle/>
-          <a:p>
-            <a:pPr>
-              <a:lnSpc>
-                <a:spcPct val="150000"/>
-              </a:lnSpc>
-            </a:pPr>
-            <a:r>
-              <a:rPr lang="en-US" altLang="ko-KR">
-                <a:solidFill>
-                  <a:schemeClr val="bg1"/>
-                </a:solidFill>
-              </a:rPr>
-              <a:t>The shortcut for UV node is U, and while holding down the U key, If you click the left mouse button, a node will appear at the mouse cursor position.</a:t>
-            </a:r>
-          </a:p>
-          <a:p>
-            <a:pPr>
-              <a:lnSpc>
-                <a:spcPct val="150000"/>
-              </a:lnSpc>
-            </a:pPr>
-            <a:r>
-              <a:rPr lang="en-US" altLang="ko-KR">
-                <a:solidFill>
-                  <a:schemeClr val="bg1"/>
-                </a:solidFill>
-              </a:rPr>
-              <a:t>is created.</a:t>
-            </a:r>
-            <a:endParaRPr lang="ko-KR" altLang="en-US">
-              <a:solidFill>
-                <a:schemeClr val="bg1"/>
-              </a:solidFill>
             </a:endParaRPr>
           </a:p>
         </p:txBody>
@@ -2233,6 +2384,251 @@
           </a:prstGeom>
         </p:spPr>
       </p:pic>
+      <p:sp>
+        <p:nvSpPr>
+          <p:cNvPr id="9" name="object 3">
+            <a:extLst>
+              <a:ext uri="{FF2B5EF4-FFF2-40B4-BE49-F238E27FC236}">
+                <a16:creationId xmlns:a16="http://schemas.microsoft.com/office/drawing/2014/main" id="{A8193C50-9CBF-4364-A3BA-24FE85DDDD04}"/>
+              </a:ext>
+            </a:extLst>
+          </p:cNvPr>
+          <p:cNvSpPr txBox="1"/>
+          <p:nvPr/>
+        </p:nvSpPr>
+        <p:spPr>
+          <a:xfrm>
+            <a:off x="348792" y="304800"/>
+            <a:ext cx="1094740" cy="374783"/>
+          </a:xfrm>
+          <a:prstGeom prst="rect">
+            <a:avLst/>
+          </a:prstGeom>
+        </p:spPr>
+        <p:txBody>
+          <a:bodyPr vert="horz" wrap="square" lIns="0" tIns="12700" rIns="0" bIns="0" rtlCol="0">
+            <a:spAutoFit/>
+          </a:bodyPr>
+          <a:lstStyle/>
+          <a:p>
+            <a:pPr marL="12700">
+              <a:lnSpc>
+                <a:spcPct val="150000"/>
+              </a:lnSpc>
+              <a:spcBef>
+                <a:spcPts val="100"/>
+              </a:spcBef>
+            </a:pPr>
+            <a:r>
+              <a:rPr lang="en-US" sz="1800" b="1">
+                <a:solidFill>
+                  <a:schemeClr val="bg1"/>
+                </a:solidFill>
+                <a:latin typeface="맑은 고딕"/>
+                <a:cs typeface="맑은 고딕"/>
+              </a:rPr>
+              <a:t>installed!</a:t>
+            </a:r>
+            <a:endParaRPr sz="1800">
+              <a:solidFill>
+                <a:schemeClr val="bg1"/>
+              </a:solidFill>
+              <a:latin typeface="맑은 고딕"/>
+              <a:cs typeface="맑은 고딕"/>
+            </a:endParaRPr>
+          </a:p>
+        </p:txBody>
+      </p:sp>
+      <p:sp>
+        <p:nvSpPr>
+          <p:cNvPr id="10" name="object 2">
+            <a:extLst>
+              <a:ext uri="{FF2B5EF4-FFF2-40B4-BE49-F238E27FC236}">
+                <a16:creationId xmlns:a16="http://schemas.microsoft.com/office/drawing/2014/main" id="{70DF0F83-1676-4507-A027-7885E9E5D02E}"/>
+              </a:ext>
+            </a:extLst>
+          </p:cNvPr>
+          <p:cNvSpPr txBox="1"/>
+          <p:nvPr/>
+        </p:nvSpPr>
+        <p:spPr>
+          <a:xfrm>
+            <a:off x="383540" y="2564764"/>
+            <a:ext cx="4036060" cy="790281"/>
+          </a:xfrm>
+          <a:prstGeom prst="rect">
+            <a:avLst/>
+          </a:prstGeom>
+        </p:spPr>
+        <p:txBody>
+          <a:bodyPr vert="horz" wrap="square" lIns="0" tIns="12700" rIns="0" bIns="0" rtlCol="0">
+            <a:spAutoFit/>
+          </a:bodyPr>
+          <a:lstStyle/>
+          <a:p>
+            <a:pPr marL="12700">
+              <a:lnSpc>
+                <a:spcPct val="150000"/>
+              </a:lnSpc>
+              <a:spcBef>
+                <a:spcPts val="100"/>
+              </a:spcBef>
+            </a:pPr>
+            <a:r>
+              <a:rPr lang="en-US" sz="1800">
+                <a:solidFill>
+                  <a:schemeClr val="bg1"/>
+                </a:solidFill>
+                <a:latin typeface="맑은 고딕"/>
+                <a:cs typeface="맑은 고딕"/>
+              </a:rPr>
+              <a:t>When the installation is complete, </a:t>
+            </a:r>
+            <a:br>
+              <a:rPr lang="en-US" sz="1800">
+                <a:solidFill>
+                  <a:schemeClr val="bg1"/>
+                </a:solidFill>
+                <a:latin typeface="맑은 고딕"/>
+                <a:cs typeface="맑은 고딕"/>
+              </a:rPr>
+            </a:br>
+            <a:r>
+              <a:rPr lang="en-US" sz="1800">
+                <a:solidFill>
+                  <a:schemeClr val="bg1"/>
+                </a:solidFill>
+                <a:latin typeface="맑은 고딕"/>
+                <a:cs typeface="맑은 고딕"/>
+              </a:rPr>
+              <a:t>you will see the following message.</a:t>
+            </a:r>
+            <a:endParaRPr sz="1800">
+              <a:solidFill>
+                <a:schemeClr val="bg1"/>
+              </a:solidFill>
+              <a:latin typeface="맑은 고딕"/>
+              <a:cs typeface="맑은 고딕"/>
+            </a:endParaRPr>
+          </a:p>
+        </p:txBody>
+      </p:sp>
+      <p:sp>
+        <p:nvSpPr>
+          <p:cNvPr id="12" name="TextBox 11">
+            <a:extLst>
+              <a:ext uri="{FF2B5EF4-FFF2-40B4-BE49-F238E27FC236}">
+                <a16:creationId xmlns:a16="http://schemas.microsoft.com/office/drawing/2014/main" id="{7F533960-8E69-4696-95EB-B5D435980830}"/>
+              </a:ext>
+            </a:extLst>
+          </p:cNvPr>
+          <p:cNvSpPr txBox="1"/>
+          <p:nvPr/>
+        </p:nvSpPr>
+        <p:spPr>
+          <a:xfrm>
+            <a:off x="267426" y="9003268"/>
+            <a:ext cx="6576060" cy="369332"/>
+          </a:xfrm>
+          <a:prstGeom prst="rect">
+            <a:avLst/>
+          </a:prstGeom>
+          <a:noFill/>
+        </p:spPr>
+        <p:txBody>
+          <a:bodyPr wrap="square">
+            <a:spAutoFit/>
+          </a:bodyPr>
+          <a:lstStyle/>
+          <a:p>
+            <a:r>
+              <a:rPr lang="en-US" altLang="ko-KR">
+                <a:solidFill>
+                  <a:schemeClr val="bg1"/>
+                </a:solidFill>
+              </a:rPr>
+              <a:t>Usage is the </a:t>
+            </a:r>
+            <a:r>
+              <a:rPr lang="en-US" altLang="ko-KR" b="1" u="sng">
+                <a:solidFill>
+                  <a:schemeClr val="bg1"/>
+                </a:solidFill>
+              </a:rPr>
+              <a:t>same as the Amplify shader shortcut system.</a:t>
+            </a:r>
+            <a:endParaRPr lang="ko-KR" altLang="en-US" b="1" u="sng">
+              <a:solidFill>
+                <a:schemeClr val="bg1"/>
+              </a:solidFill>
+            </a:endParaRPr>
+          </a:p>
+        </p:txBody>
+      </p:sp>
+      <p:sp>
+        <p:nvSpPr>
+          <p:cNvPr id="14" name="TextBox 13">
+            <a:extLst>
+              <a:ext uri="{FF2B5EF4-FFF2-40B4-BE49-F238E27FC236}">
+                <a16:creationId xmlns:a16="http://schemas.microsoft.com/office/drawing/2014/main" id="{C17F41D5-8011-46CE-B2B1-C8F9691B3946}"/>
+              </a:ext>
+            </a:extLst>
+          </p:cNvPr>
+          <p:cNvSpPr txBox="1"/>
+          <p:nvPr/>
+        </p:nvSpPr>
+        <p:spPr>
+          <a:xfrm>
+            <a:off x="267426" y="9677400"/>
+            <a:ext cx="6232434" cy="1711366"/>
+          </a:xfrm>
+          <a:prstGeom prst="rect">
+            <a:avLst/>
+          </a:prstGeom>
+          <a:noFill/>
+        </p:spPr>
+        <p:txBody>
+          <a:bodyPr wrap="square">
+            <a:spAutoFit/>
+          </a:bodyPr>
+          <a:lstStyle/>
+          <a:p>
+            <a:pPr>
+              <a:lnSpc>
+                <a:spcPct val="150000"/>
+              </a:lnSpc>
+            </a:pPr>
+            <a:r>
+              <a:rPr lang="en-US" altLang="ko-KR">
+                <a:solidFill>
+                  <a:schemeClr val="bg1"/>
+                </a:solidFill>
+              </a:rPr>
+              <a:t>The shortcut for UV node is U, and while holding down the U key, If you click the left mouse button, a node will appear at the mouse cursor position.</a:t>
+            </a:r>
+          </a:p>
+          <a:p>
+            <a:pPr>
+              <a:lnSpc>
+                <a:spcPct val="150000"/>
+              </a:lnSpc>
+            </a:pPr>
+            <a:r>
+              <a:rPr lang="en-US" altLang="ko-KR">
+                <a:solidFill>
+                  <a:schemeClr val="bg1"/>
+                </a:solidFill>
+              </a:rPr>
+              <a:t>is created.</a:t>
+            </a:r>
+            <a:endParaRPr lang="ko-KR" altLang="en-US">
+              <a:solidFill>
+                <a:schemeClr val="bg1"/>
+              </a:solidFill>
+            </a:endParaRPr>
+          </a:p>
+        </p:txBody>
+      </p:sp>
     </p:spTree>
   </p:cSld>
   <p:clrMapOvr>
@@ -2258,55 +2654,6 @@
           <a:chExt cx="0" cy="0"/>
         </a:xfrm>
       </p:grpSpPr>
-      <p:sp>
-        <p:nvSpPr>
-          <p:cNvPr id="2" name="object 2"/>
-          <p:cNvSpPr txBox="1"/>
-          <p:nvPr/>
-        </p:nvSpPr>
-        <p:spPr>
-          <a:xfrm>
-            <a:off x="375614" y="440563"/>
-            <a:ext cx="1605583" cy="289823"/>
-          </a:xfrm>
-          <a:prstGeom prst="rect">
-            <a:avLst/>
-          </a:prstGeom>
-        </p:spPr>
-        <p:txBody>
-          <a:bodyPr vert="horz" wrap="square" lIns="0" tIns="12700" rIns="0" bIns="0" rtlCol="0">
-            <a:spAutoFit/>
-          </a:bodyPr>
-          <a:lstStyle/>
-          <a:p>
-            <a:pPr marL="12700">
-              <a:lnSpc>
-                <a:spcPct val="100000"/>
-              </a:lnSpc>
-              <a:spcBef>
-                <a:spcPts val="100"/>
-              </a:spcBef>
-            </a:pPr>
-            <a:r>
-              <a:rPr lang="en-US" sz="1800" b="1">
-                <a:solidFill>
-                  <a:schemeClr val="bg1"/>
-                </a:solidFill>
-                <a:latin typeface="맑은 고딕"/>
-                <a:cs typeface="맑은 고딕"/>
-              </a:rPr>
-              <a:t>Shortcut set</a:t>
-            </a:r>
-            <a:endParaRPr sz="1800">
-              <a:solidFill>
-                <a:schemeClr val="bg1"/>
-              </a:solidFill>
-              <a:latin typeface="맑은 고딕"/>
-              <a:cs typeface="맑은 고딕"/>
-            </a:endParaRPr>
-          </a:p>
-        </p:txBody>
-      </p:sp>
       <p:grpSp>
         <p:nvGrpSpPr>
           <p:cNvPr id="3" name="object 3"/>
@@ -2499,14 +2846,14 @@
           <p:nvPr>
             <p:extLst>
               <p:ext uri="{D42A27DB-BD31-4B8C-83A1-F6EECF244321}">
-                <p14:modId xmlns:p14="http://schemas.microsoft.com/office/powerpoint/2010/main" val="3874973504"/>
+                <p14:modId xmlns:p14="http://schemas.microsoft.com/office/powerpoint/2010/main" val="3363331740"/>
               </p:ext>
             </p:extLst>
           </p:nvPr>
         </p:nvGraphicFramePr>
         <p:xfrm>
-          <a:off x="683310" y="1281450"/>
-          <a:ext cx="3028996" cy="10149840"/>
+          <a:off x="683309" y="1321260"/>
+          <a:ext cx="2974289" cy="10090878"/>
         </p:xfrm>
         <a:graphic>
           <a:graphicData uri="http://schemas.openxmlformats.org/drawingml/2006/table">
@@ -2515,14 +2862,14 @@
                 <a:tableStyleId>{2D5ABB26-0587-4C30-8999-92F81FD0307C}</a:tableStyleId>
               </a:tblPr>
               <a:tblGrid>
-                <a:gridCol w="2212290">
+                <a:gridCol w="2136091">
                   <a:extLst>
                     <a:ext uri="{9D8B030D-6E8A-4147-A177-3AD203B41FA5}">
                       <a16:colId xmlns:a16="http://schemas.microsoft.com/office/drawing/2014/main" val="20000"/>
                     </a:ext>
                   </a:extLst>
                 </a:gridCol>
-                <a:gridCol w="816706">
+                <a:gridCol w="838198">
                   <a:extLst>
                     <a:ext uri="{9D8B030D-6E8A-4147-A177-3AD203B41FA5}">
                       <a16:colId xmlns:a16="http://schemas.microsoft.com/office/drawing/2014/main" val="20001"/>
@@ -2530,7 +2877,7 @@
                   </a:extLst>
                 </a:gridCol>
               </a:tblGrid>
-              <a:tr h="389890">
+              <a:tr h="480518">
                 <a:tc>
                   <a:txBody>
                     <a:bodyPr/>
@@ -2583,7 +2930,7 @@
                       </a:endParaRPr>
                     </a:p>
                   </a:txBody>
-                  <a:tcPr marL="0" marR="0" marT="15875" marB="0">
+                  <a:tcPr marL="0" marR="0" marT="15875" marB="0" anchor="ctr">
                     <a:solidFill>
                       <a:srgbClr val="2A2A2A"/>
                     </a:solidFill>
@@ -2641,7 +2988,7 @@
                       </a:endParaRPr>
                     </a:p>
                   </a:txBody>
-                  <a:tcPr marL="0" marR="0" marT="15875" marB="0">
+                  <a:tcPr marL="0" marR="0" marT="15875" marB="0" anchor="ctr">
                     <a:solidFill>
                       <a:srgbClr val="2A2A2A"/>
                     </a:solidFill>
@@ -2653,7 +3000,7 @@
                   </a:ext>
                 </a:extLst>
               </a:tr>
-              <a:tr h="551180">
+              <a:tr h="480518">
                 <a:tc>
                   <a:txBody>
                     <a:bodyPr/>
@@ -2706,7 +3053,7 @@
                       </a:endParaRPr>
                     </a:p>
                   </a:txBody>
-                  <a:tcPr marL="0" marR="0" marT="177165" marB="0">
+                  <a:tcPr marL="0" marR="0" marT="177165" marB="0" anchor="ctr">
                     <a:solidFill>
                       <a:srgbClr val="2A2A2A"/>
                     </a:solidFill>
@@ -2764,7 +3111,7 @@
                       </a:endParaRPr>
                     </a:p>
                   </a:txBody>
-                  <a:tcPr marL="0" marR="0" marT="177165" marB="0">
+                  <a:tcPr marL="0" marR="0" marT="177165" marB="0" anchor="ctr">
                     <a:solidFill>
                       <a:srgbClr val="2A2A2A"/>
                     </a:solidFill>
@@ -2776,7 +3123,7 @@
                   </a:ext>
                 </a:extLst>
               </a:tr>
-              <a:tr h="551180">
+              <a:tr h="480518">
                 <a:tc>
                   <a:txBody>
                     <a:bodyPr/>
@@ -2791,7 +3138,7 @@
                         </a:spcBef>
                       </a:pPr>
                       <a:r>
-                        <a:rPr sz="1350" spc="-15" dirty="0">
+                        <a:rPr sz="1350" spc="-15">
                           <a:solidFill>
                             <a:schemeClr val="bg1"/>
                           </a:solidFill>
@@ -2801,7 +3148,7 @@
                         <a:t>Vector2Node</a:t>
                       </a:r>
                       <a:r>
-                        <a:rPr sz="1350" spc="-40" dirty="0">
+                        <a:rPr sz="1350" spc="-40">
                           <a:solidFill>
                             <a:schemeClr val="bg1"/>
                           </a:solidFill>
@@ -2811,7 +3158,7 @@
                         <a:t> </a:t>
                       </a:r>
                       <a:r>
-                        <a:rPr sz="1350" dirty="0">
+                        <a:rPr sz="1350">
                           <a:solidFill>
                             <a:schemeClr val="bg1"/>
                           </a:solidFill>
@@ -2820,16 +3167,9 @@
                         </a:rPr>
                         <a:t>:</a:t>
                       </a:r>
-                      <a:endParaRPr sz="1350">
-                        <a:solidFill>
-                          <a:schemeClr val="bg1"/>
-                        </a:solidFill>
-                        <a:latin typeface="맑은 고딕"/>
-                        <a:cs typeface="맑은 고딕"/>
-                      </a:endParaRPr>
                     </a:p>
                   </a:txBody>
-                  <a:tcPr marL="0" marR="0" marT="177165" marB="0">
+                  <a:tcPr marL="0" marR="0" marT="177165" marB="0" anchor="ctr">
                     <a:solidFill>
                       <a:srgbClr val="2A2A2A"/>
                     </a:solidFill>
@@ -2869,7 +3209,7 @@
                         <a:t> </a:t>
                       </a:r>
                       <a:r>
-                        <a:rPr sz="1350" dirty="0">
+                        <a:rPr sz="1350">
                           <a:solidFill>
                             <a:schemeClr val="bg1"/>
                           </a:solidFill>
@@ -2878,16 +3218,9 @@
                         </a:rPr>
                         <a:t>2</a:t>
                       </a:r>
-                      <a:endParaRPr sz="1350">
-                        <a:solidFill>
-                          <a:schemeClr val="bg1"/>
-                        </a:solidFill>
-                        <a:latin typeface="맑은 고딕"/>
-                        <a:cs typeface="맑은 고딕"/>
-                      </a:endParaRPr>
                     </a:p>
                   </a:txBody>
-                  <a:tcPr marL="0" marR="0" marT="177165" marB="0">
+                  <a:tcPr marL="0" marR="0" marT="177165" marB="0" anchor="ctr">
                     <a:solidFill>
                       <a:srgbClr val="2A2A2A"/>
                     </a:solidFill>
@@ -2899,7 +3232,7 @@
                   </a:ext>
                 </a:extLst>
               </a:tr>
-              <a:tr h="551180">
+              <a:tr h="480518">
                 <a:tc>
                   <a:txBody>
                     <a:bodyPr/>
@@ -2952,7 +3285,7 @@
                       </a:endParaRPr>
                     </a:p>
                   </a:txBody>
-                  <a:tcPr marL="0" marR="0" marT="177165" marB="0">
+                  <a:tcPr marL="0" marR="0" marT="177165" marB="0" anchor="ctr">
                     <a:solidFill>
                       <a:srgbClr val="2A2A2A"/>
                     </a:solidFill>
@@ -3010,7 +3343,7 @@
                       </a:endParaRPr>
                     </a:p>
                   </a:txBody>
-                  <a:tcPr marL="0" marR="0" marT="177165" marB="0">
+                  <a:tcPr marL="0" marR="0" marT="177165" marB="0" anchor="ctr">
                     <a:solidFill>
                       <a:srgbClr val="2A2A2A"/>
                     </a:solidFill>
@@ -3022,7 +3355,7 @@
                   </a:ext>
                 </a:extLst>
               </a:tr>
-              <a:tr h="551180">
+              <a:tr h="480518">
                 <a:tc>
                   <a:txBody>
                     <a:bodyPr/>
@@ -3075,7 +3408,7 @@
                       </a:endParaRPr>
                     </a:p>
                   </a:txBody>
-                  <a:tcPr marL="0" marR="0" marT="177165" marB="0">
+                  <a:tcPr marL="0" marR="0" marT="177165" marB="0" anchor="ctr">
                     <a:solidFill>
                       <a:srgbClr val="2A2A2A"/>
                     </a:solidFill>
@@ -3133,7 +3466,7 @@
                       </a:endParaRPr>
                     </a:p>
                   </a:txBody>
-                  <a:tcPr marL="0" marR="0" marT="177165" marB="0">
+                  <a:tcPr marL="0" marR="0" marT="177165" marB="0" anchor="ctr">
                     <a:solidFill>
                       <a:srgbClr val="2A2A2A"/>
                     </a:solidFill>
@@ -3145,7 +3478,7 @@
                   </a:ext>
                 </a:extLst>
               </a:tr>
-              <a:tr h="551180">
+              <a:tr h="480518">
                 <a:tc>
                   <a:txBody>
                     <a:bodyPr/>
@@ -3198,7 +3531,7 @@
                       </a:endParaRPr>
                     </a:p>
                   </a:txBody>
-                  <a:tcPr marL="0" marR="0" marT="177165" marB="0">
+                  <a:tcPr marL="0" marR="0" marT="177165" marB="0" anchor="ctr">
                     <a:solidFill>
                       <a:srgbClr val="2A2A2A"/>
                     </a:solidFill>
@@ -3256,7 +3589,7 @@
                       </a:endParaRPr>
                     </a:p>
                   </a:txBody>
-                  <a:tcPr marL="0" marR="0" marT="177165" marB="0">
+                  <a:tcPr marL="0" marR="0" marT="177165" marB="0" anchor="ctr">
                     <a:solidFill>
                       <a:srgbClr val="2A2A2A"/>
                     </a:solidFill>
@@ -3268,7 +3601,7 @@
                   </a:ext>
                 </a:extLst>
               </a:tr>
-              <a:tr h="551180">
+              <a:tr h="480518">
                 <a:tc>
                   <a:txBody>
                     <a:bodyPr/>
@@ -3321,7 +3654,7 @@
                       </a:endParaRPr>
                     </a:p>
                   </a:txBody>
-                  <a:tcPr marL="0" marR="0" marT="177165" marB="0">
+                  <a:tcPr marL="0" marR="0" marT="177165" marB="0" anchor="ctr">
                     <a:solidFill>
                       <a:srgbClr val="2A2A2A"/>
                     </a:solidFill>
@@ -3359,7 +3692,7 @@
                       </a:endParaRPr>
                     </a:p>
                   </a:txBody>
-                  <a:tcPr marL="0" marR="0" marT="177165" marB="0">
+                  <a:tcPr marL="0" marR="0" marT="177165" marB="0" anchor="ctr">
                     <a:solidFill>
                       <a:srgbClr val="2A2A2A"/>
                     </a:solidFill>
@@ -3371,7 +3704,7 @@
                   </a:ext>
                 </a:extLst>
               </a:tr>
-              <a:tr h="551180">
+              <a:tr h="480518">
                 <a:tc>
                   <a:txBody>
                     <a:bodyPr/>
@@ -3424,7 +3757,7 @@
                       </a:endParaRPr>
                     </a:p>
                   </a:txBody>
-                  <a:tcPr marL="0" marR="0" marT="177165" marB="0">
+                  <a:tcPr marL="0" marR="0" marT="177165" marB="0" anchor="ctr">
                     <a:solidFill>
                       <a:srgbClr val="2A2A2A"/>
                     </a:solidFill>
@@ -3462,7 +3795,7 @@
                       </a:endParaRPr>
                     </a:p>
                   </a:txBody>
-                  <a:tcPr marL="0" marR="0" marT="177165" marB="0">
+                  <a:tcPr marL="0" marR="0" marT="177165" marB="0" anchor="ctr">
                     <a:solidFill>
                       <a:srgbClr val="2A2A2A"/>
                     </a:solidFill>
@@ -3474,7 +3807,7 @@
                   </a:ext>
                 </a:extLst>
               </a:tr>
-              <a:tr h="551180">
+              <a:tr h="480518">
                 <a:tc>
                   <a:txBody>
                     <a:bodyPr/>
@@ -3527,7 +3860,7 @@
                       </a:endParaRPr>
                     </a:p>
                   </a:txBody>
-                  <a:tcPr marL="0" marR="0" marT="177165" marB="0">
+                  <a:tcPr marL="0" marR="0" marT="177165" marB="0" anchor="ctr">
                     <a:solidFill>
                       <a:srgbClr val="2A2A2A"/>
                     </a:solidFill>
@@ -3547,14 +3880,14 @@
                         </a:spcBef>
                       </a:pPr>
                       <a:r>
-                        <a:rPr sz="1350" dirty="0">
-                          <a:solidFill>
-                            <a:schemeClr val="bg1"/>
-                          </a:solidFill>
-                          <a:latin typeface="맑은 고딕"/>
-                          <a:cs typeface="맑은 고딕"/>
-                        </a:rPr>
-                        <a:t>A</a:t>
+                        <a:rPr lang="en-US" sz="1350">
+                          <a:solidFill>
+                            <a:schemeClr val="bg1"/>
+                          </a:solidFill>
+                          <a:latin typeface="맑은 고딕"/>
+                          <a:cs typeface="맑은 고딕"/>
+                        </a:rPr>
+                        <a:t>V</a:t>
                       </a:r>
                       <a:endParaRPr sz="1350">
                         <a:solidFill>
@@ -3565,7 +3898,7 @@
                       </a:endParaRPr>
                     </a:p>
                   </a:txBody>
-                  <a:tcPr marL="0" marR="0" marT="177165" marB="0">
+                  <a:tcPr marL="0" marR="0" marT="177165" marB="0" anchor="ctr">
                     <a:solidFill>
                       <a:srgbClr val="2A2A2A"/>
                     </a:solidFill>
@@ -3577,7 +3910,7 @@
                   </a:ext>
                 </a:extLst>
               </a:tr>
-              <a:tr h="551180">
+              <a:tr h="480518">
                 <a:tc>
                   <a:txBody>
                     <a:bodyPr/>
@@ -3630,7 +3963,7 @@
                       </a:endParaRPr>
                     </a:p>
                   </a:txBody>
-                  <a:tcPr marL="0" marR="0" marT="177165" marB="0">
+                  <a:tcPr marL="0" marR="0" marT="177165" marB="0" anchor="ctr">
                     <a:solidFill>
                       <a:srgbClr val="2A2A2A"/>
                     </a:solidFill>
@@ -3668,7 +4001,7 @@
                       </a:endParaRPr>
                     </a:p>
                   </a:txBody>
-                  <a:tcPr marL="0" marR="0" marT="177165" marB="0">
+                  <a:tcPr marL="0" marR="0" marT="177165" marB="0" anchor="ctr">
                     <a:solidFill>
                       <a:srgbClr val="2A2A2A"/>
                     </a:solidFill>
@@ -3680,7 +4013,7 @@
                   </a:ext>
                 </a:extLst>
               </a:tr>
-              <a:tr h="551180">
+              <a:tr h="480518">
                 <a:tc>
                   <a:txBody>
                     <a:bodyPr/>
@@ -3733,7 +4066,7 @@
                       </a:endParaRPr>
                     </a:p>
                   </a:txBody>
-                  <a:tcPr marL="0" marR="0" marT="177165" marB="0">
+                  <a:tcPr marL="0" marR="0" marT="177165" marB="0" anchor="ctr">
                     <a:solidFill>
                       <a:srgbClr val="2A2A2A"/>
                     </a:solidFill>
@@ -3771,7 +4104,7 @@
                       </a:endParaRPr>
                     </a:p>
                   </a:txBody>
-                  <a:tcPr marL="0" marR="0" marT="177165" marB="0">
+                  <a:tcPr marL="0" marR="0" marT="177165" marB="0" anchor="ctr">
                     <a:solidFill>
                       <a:srgbClr val="2A2A2A"/>
                     </a:solidFill>
@@ -3783,7 +4116,7 @@
                   </a:ext>
                 </a:extLst>
               </a:tr>
-              <a:tr h="551180">
+              <a:tr h="480518">
                 <a:tc>
                   <a:txBody>
                     <a:bodyPr/>
@@ -3836,7 +4169,7 @@
                       </a:endParaRPr>
                     </a:p>
                   </a:txBody>
-                  <a:tcPr marL="0" marR="0" marT="177165" marB="0">
+                  <a:tcPr marL="0" marR="0" marT="177165" marB="0" anchor="ctr">
                     <a:solidFill>
                       <a:srgbClr val="2A2A2A"/>
                     </a:solidFill>
@@ -3874,7 +4207,7 @@
                       </a:endParaRPr>
                     </a:p>
                   </a:txBody>
-                  <a:tcPr marL="0" marR="0" marT="177165" marB="0">
+                  <a:tcPr marL="0" marR="0" marT="177165" marB="0" anchor="ctr">
                     <a:solidFill>
                       <a:srgbClr val="2A2A2A"/>
                     </a:solidFill>
@@ -3886,7 +4219,7 @@
                   </a:ext>
                 </a:extLst>
               </a:tr>
-              <a:tr h="551180">
+              <a:tr h="480518">
                 <a:tc>
                   <a:txBody>
                     <a:bodyPr/>
@@ -3939,7 +4272,7 @@
                       </a:endParaRPr>
                     </a:p>
                   </a:txBody>
-                  <a:tcPr marL="0" marR="0" marT="177165" marB="0">
+                  <a:tcPr marL="0" marR="0" marT="177165" marB="0" anchor="ctr">
                     <a:solidFill>
                       <a:srgbClr val="2A2A2A"/>
                     </a:solidFill>
@@ -3977,7 +4310,7 @@
                       </a:endParaRPr>
                     </a:p>
                   </a:txBody>
-                  <a:tcPr marL="0" marR="0" marT="177165" marB="0">
+                  <a:tcPr marL="0" marR="0" marT="177165" marB="0" anchor="ctr">
                     <a:solidFill>
                       <a:srgbClr val="2A2A2A"/>
                     </a:solidFill>
@@ -3989,7 +4322,7 @@
                   </a:ext>
                 </a:extLst>
               </a:tr>
-              <a:tr h="551180">
+              <a:tr h="480518">
                 <a:tc>
                   <a:txBody>
                     <a:bodyPr/>
@@ -4042,7 +4375,7 @@
                       </a:endParaRPr>
                     </a:p>
                   </a:txBody>
-                  <a:tcPr marL="0" marR="0" marT="177165" marB="0">
+                  <a:tcPr marL="0" marR="0" marT="177165" marB="0" anchor="ctr">
                     <a:solidFill>
                       <a:srgbClr val="2A2A2A"/>
                     </a:solidFill>
@@ -4080,7 +4413,7 @@
                       </a:endParaRPr>
                     </a:p>
                   </a:txBody>
-                  <a:tcPr marL="0" marR="0" marT="177165" marB="0">
+                  <a:tcPr marL="0" marR="0" marT="177165" marB="0" anchor="ctr">
                     <a:solidFill>
                       <a:srgbClr val="2A2A2A"/>
                     </a:solidFill>
@@ -4092,7 +4425,7 @@
                   </a:ext>
                 </a:extLst>
               </a:tr>
-              <a:tr h="551180">
+              <a:tr h="480518">
                 <a:tc>
                   <a:txBody>
                     <a:bodyPr/>
@@ -4145,7 +4478,7 @@
                       </a:endParaRPr>
                     </a:p>
                   </a:txBody>
-                  <a:tcPr marL="0" marR="0" marT="177165" marB="0">
+                  <a:tcPr marL="0" marR="0" marT="177165" marB="0" anchor="ctr">
                     <a:solidFill>
                       <a:srgbClr val="2A2A2A"/>
                     </a:solidFill>
@@ -4183,7 +4516,7 @@
                       </a:endParaRPr>
                     </a:p>
                   </a:txBody>
-                  <a:tcPr marL="0" marR="0" marT="177165" marB="0">
+                  <a:tcPr marL="0" marR="0" marT="177165" marB="0" anchor="ctr">
                     <a:solidFill>
                       <a:srgbClr val="2A2A2A"/>
                     </a:solidFill>
@@ -4195,7 +4528,7 @@
                   </a:ext>
                 </a:extLst>
               </a:tr>
-              <a:tr h="551180">
+              <a:tr h="480518">
                 <a:tc>
                   <a:txBody>
                     <a:bodyPr/>
@@ -4248,7 +4581,7 @@
                       </a:endParaRPr>
                     </a:p>
                   </a:txBody>
-                  <a:tcPr marL="0" marR="0" marT="177165" marB="0">
+                  <a:tcPr marL="0" marR="0" marT="177165" marB="0" anchor="ctr">
                     <a:solidFill>
                       <a:srgbClr val="2A2A2A"/>
                     </a:solidFill>
@@ -4286,7 +4619,7 @@
                       </a:endParaRPr>
                     </a:p>
                   </a:txBody>
-                  <a:tcPr marL="0" marR="0" marT="177165" marB="0">
+                  <a:tcPr marL="0" marR="0" marT="177165" marB="0" anchor="ctr">
                     <a:solidFill>
                       <a:srgbClr val="2A2A2A"/>
                     </a:solidFill>
@@ -4298,7 +4631,7 @@
                   </a:ext>
                 </a:extLst>
               </a:tr>
-              <a:tr h="551180">
+              <a:tr h="480518">
                 <a:tc>
                   <a:txBody>
                     <a:bodyPr/>
@@ -4351,7 +4684,7 @@
                       </a:endParaRPr>
                     </a:p>
                   </a:txBody>
-                  <a:tcPr marL="0" marR="0" marT="177165" marB="0">
+                  <a:tcPr marL="0" marR="0" marT="177165" marB="0" anchor="ctr">
                     <a:solidFill>
                       <a:srgbClr val="2A2A2A"/>
                     </a:solidFill>
@@ -4389,7 +4722,7 @@
                       </a:endParaRPr>
                     </a:p>
                   </a:txBody>
-                  <a:tcPr marL="0" marR="0" marT="177165" marB="0">
+                  <a:tcPr marL="0" marR="0" marT="177165" marB="0" anchor="ctr">
                     <a:solidFill>
                       <a:srgbClr val="2A2A2A"/>
                     </a:solidFill>
@@ -4401,7 +4734,7 @@
                   </a:ext>
                 </a:extLst>
               </a:tr>
-              <a:tr h="551180">
+              <a:tr h="480518">
                 <a:tc>
                   <a:txBody>
                     <a:bodyPr/>
@@ -4454,7 +4787,7 @@
                       </a:endParaRPr>
                     </a:p>
                   </a:txBody>
-                  <a:tcPr marL="0" marR="0" marT="177165" marB="0">
+                  <a:tcPr marL="0" marR="0" marT="177165" marB="0" anchor="ctr">
                     <a:solidFill>
                       <a:srgbClr val="2A2A2A"/>
                     </a:solidFill>
@@ -4492,7 +4825,7 @@
                       </a:endParaRPr>
                     </a:p>
                   </a:txBody>
-                  <a:tcPr marL="0" marR="0" marT="177165" marB="0">
+                  <a:tcPr marL="0" marR="0" marT="177165" marB="0" anchor="ctr">
                     <a:solidFill>
                       <a:srgbClr val="2A2A2A"/>
                     </a:solidFill>
@@ -4504,7 +4837,7 @@
                   </a:ext>
                 </a:extLst>
               </a:tr>
-              <a:tr h="389890">
+              <a:tr h="480518">
                 <a:tc>
                   <a:txBody>
                     <a:bodyPr/>
@@ -4557,7 +4890,7 @@
                       </a:endParaRPr>
                     </a:p>
                   </a:txBody>
-                  <a:tcPr marL="0" marR="0" marT="177165" marB="0">
+                  <a:tcPr marL="0" marR="0" marT="177165" marB="0" anchor="ctr">
                     <a:solidFill>
                       <a:srgbClr val="2A2A2A"/>
                     </a:solidFill>
@@ -4628,7 +4961,7 @@
                       </a:r>
                     </a:p>
                   </a:txBody>
-                  <a:tcPr marL="0" marR="0" marT="177165" marB="0">
+                  <a:tcPr marL="0" marR="0" marT="177165" marB="0" anchor="ctr">
                     <a:solidFill>
                       <a:srgbClr val="2A2A2A"/>
                     </a:solidFill>
@@ -4640,10 +4973,275 @@
                   </a:ext>
                 </a:extLst>
               </a:tr>
+              <a:tr h="480518">
+                <a:tc>
+                  <a:txBody>
+                    <a:bodyPr/>
+                    <a:lstStyle/>
+                    <a:p>
+                      <a:pPr marL="0" marR="83820" lvl="0" indent="0" algn="r" defTabSz="914400" eaLnBrk="1" fontAlgn="auto" latinLnBrk="0" hangingPunct="1">
+                        <a:lnSpc>
+                          <a:spcPts val="1580"/>
+                        </a:lnSpc>
+                        <a:spcBef>
+                          <a:spcPts val="1395"/>
+                        </a:spcBef>
+                        <a:spcAft>
+                          <a:spcPts val="0"/>
+                        </a:spcAft>
+                        <a:buClrTx/>
+                        <a:buSzTx/>
+                        <a:buFontTx/>
+                        <a:buNone/>
+                        <a:tabLst/>
+                        <a:defRPr/>
+                      </a:pPr>
+                      <a:r>
+                        <a:rPr lang="en-US" altLang="ko-KR" sz="1350" spc="-5">
+                          <a:solidFill>
+                            <a:schemeClr val="bg1"/>
+                          </a:solidFill>
+                          <a:latin typeface="맑은 고딕"/>
+                          <a:cs typeface="맑은 고딕"/>
+                        </a:rPr>
+                        <a:t>Register Variable</a:t>
+                      </a:r>
+                      <a:r>
+                        <a:rPr lang="en-US" altLang="ko-KR" sz="1350" spc="-40">
+                          <a:solidFill>
+                            <a:schemeClr val="bg1"/>
+                          </a:solidFill>
+                          <a:latin typeface="맑은 고딕"/>
+                          <a:cs typeface="맑은 고딕"/>
+                        </a:rPr>
+                        <a:t> </a:t>
+                      </a:r>
+                      <a:r>
+                        <a:rPr lang="en-US" altLang="ko-KR" sz="1350">
+                          <a:solidFill>
+                            <a:schemeClr val="bg1"/>
+                          </a:solidFill>
+                          <a:latin typeface="맑은 고딕"/>
+                          <a:cs typeface="맑은 고딕"/>
+                        </a:rPr>
+                        <a:t>:</a:t>
+                      </a:r>
+                    </a:p>
+                  </a:txBody>
+                  <a:tcPr marL="0" marR="0" marT="177165" marB="0" anchor="ctr">
+                    <a:solidFill>
+                      <a:srgbClr val="2A2A2A"/>
+                    </a:solidFill>
+                  </a:tcPr>
+                </a:tc>
+                <a:tc>
+                  <a:txBody>
+                    <a:bodyPr/>
+                    <a:lstStyle/>
+                    <a:p>
+                      <a:pPr marL="90805">
+                        <a:lnSpc>
+                          <a:spcPts val="1580"/>
+                        </a:lnSpc>
+                        <a:spcBef>
+                          <a:spcPts val="1395"/>
+                        </a:spcBef>
+                      </a:pPr>
+                      <a:r>
+                        <a:rPr lang="en-US" sz="1350">
+                          <a:solidFill>
+                            <a:schemeClr val="bg1"/>
+                          </a:solidFill>
+                          <a:latin typeface="맑은 고딕"/>
+                          <a:cs typeface="맑은 고딕"/>
+                        </a:rPr>
+                        <a:t>R</a:t>
+                      </a:r>
+                      <a:endParaRPr sz="1350">
+                        <a:solidFill>
+                          <a:schemeClr val="bg1"/>
+                        </a:solidFill>
+                        <a:latin typeface="맑은 고딕"/>
+                        <a:cs typeface="맑은 고딕"/>
+                      </a:endParaRPr>
+                    </a:p>
+                  </a:txBody>
+                  <a:tcPr marL="0" marR="0" marT="177165" marB="0" anchor="ctr">
+                    <a:solidFill>
+                      <a:srgbClr val="2A2A2A"/>
+                    </a:solidFill>
+                  </a:tcPr>
+                </a:tc>
+                <a:extLst>
+                  <a:ext uri="{0D108BD9-81ED-4DB2-BD59-A6C34878D82A}">
+                    <a16:rowId xmlns:a16="http://schemas.microsoft.com/office/drawing/2014/main" val="2550335770"/>
+                  </a:ext>
+                </a:extLst>
+              </a:tr>
+              <a:tr h="480518">
+                <a:tc>
+                  <a:txBody>
+                    <a:bodyPr/>
+                    <a:lstStyle/>
+                    <a:p>
+                      <a:pPr marL="0" marR="83820" lvl="0" indent="0" algn="r" defTabSz="914400" eaLnBrk="1" fontAlgn="auto" latinLnBrk="0" hangingPunct="1">
+                        <a:lnSpc>
+                          <a:spcPts val="1580"/>
+                        </a:lnSpc>
+                        <a:spcBef>
+                          <a:spcPts val="1395"/>
+                        </a:spcBef>
+                        <a:spcAft>
+                          <a:spcPts val="0"/>
+                        </a:spcAft>
+                        <a:buClrTx/>
+                        <a:buSzTx/>
+                        <a:buFontTx/>
+                        <a:buNone/>
+                        <a:tabLst/>
+                        <a:defRPr/>
+                      </a:pPr>
+                      <a:r>
+                        <a:rPr lang="en-US" altLang="ko-KR" sz="1350" spc="-5">
+                          <a:solidFill>
+                            <a:schemeClr val="bg1"/>
+                          </a:solidFill>
+                          <a:latin typeface="맑은 고딕"/>
+                          <a:cs typeface="맑은 고딕"/>
+                        </a:rPr>
+                        <a:t>Get Variable</a:t>
+                      </a:r>
+                      <a:r>
+                        <a:rPr lang="en-US" altLang="ko-KR" sz="1350" spc="-40">
+                          <a:solidFill>
+                            <a:schemeClr val="bg1"/>
+                          </a:solidFill>
+                          <a:latin typeface="맑은 고딕"/>
+                          <a:cs typeface="맑은 고딕"/>
+                        </a:rPr>
+                        <a:t> </a:t>
+                      </a:r>
+                      <a:r>
+                        <a:rPr lang="en-US" altLang="ko-KR" sz="1350">
+                          <a:solidFill>
+                            <a:schemeClr val="bg1"/>
+                          </a:solidFill>
+                          <a:latin typeface="맑은 고딕"/>
+                          <a:cs typeface="맑은 고딕"/>
+                        </a:rPr>
+                        <a:t>:</a:t>
+                      </a:r>
+                    </a:p>
+                  </a:txBody>
+                  <a:tcPr marL="0" marR="0" marT="177165" marB="0" anchor="ctr">
+                    <a:solidFill>
+                      <a:srgbClr val="2A2A2A"/>
+                    </a:solidFill>
+                  </a:tcPr>
+                </a:tc>
+                <a:tc>
+                  <a:txBody>
+                    <a:bodyPr/>
+                    <a:lstStyle/>
+                    <a:p>
+                      <a:pPr marL="90805">
+                        <a:lnSpc>
+                          <a:spcPts val="1580"/>
+                        </a:lnSpc>
+                        <a:spcBef>
+                          <a:spcPts val="1395"/>
+                        </a:spcBef>
+                      </a:pPr>
+                      <a:r>
+                        <a:rPr lang="en-US" sz="1350">
+                          <a:solidFill>
+                            <a:schemeClr val="bg1"/>
+                          </a:solidFill>
+                          <a:latin typeface="맑은 고딕"/>
+                          <a:cs typeface="맑은 고딕"/>
+                        </a:rPr>
+                        <a:t>G</a:t>
+                      </a:r>
+                      <a:endParaRPr sz="1350">
+                        <a:solidFill>
+                          <a:schemeClr val="bg1"/>
+                        </a:solidFill>
+                        <a:latin typeface="맑은 고딕"/>
+                        <a:cs typeface="맑은 고딕"/>
+                      </a:endParaRPr>
+                    </a:p>
+                  </a:txBody>
+                  <a:tcPr marL="0" marR="0" marT="177165" marB="0" anchor="ctr">
+                    <a:solidFill>
+                      <a:srgbClr val="2A2A2A"/>
+                    </a:solidFill>
+                  </a:tcPr>
+                </a:tc>
+                <a:extLst>
+                  <a:ext uri="{0D108BD9-81ED-4DB2-BD59-A6C34878D82A}">
+                    <a16:rowId xmlns:a16="http://schemas.microsoft.com/office/drawing/2014/main" val="2127486281"/>
+                  </a:ext>
+                </a:extLst>
+              </a:tr>
             </a:tbl>
           </a:graphicData>
         </a:graphic>
       </p:graphicFrame>
+      <p:sp>
+        <p:nvSpPr>
+          <p:cNvPr id="9" name="object 2">
+            <a:extLst>
+              <a:ext uri="{FF2B5EF4-FFF2-40B4-BE49-F238E27FC236}">
+                <a16:creationId xmlns:a16="http://schemas.microsoft.com/office/drawing/2014/main" id="{0E52EF28-50DC-4B43-A938-4AC58E09550F}"/>
+              </a:ext>
+            </a:extLst>
+          </p:cNvPr>
+          <p:cNvSpPr txBox="1"/>
+          <p:nvPr/>
+        </p:nvSpPr>
+        <p:spPr>
+          <a:xfrm>
+            <a:off x="375614" y="440563"/>
+            <a:ext cx="1605583" cy="289823"/>
+          </a:xfrm>
+          <a:prstGeom prst="rect">
+            <a:avLst/>
+          </a:prstGeom>
+        </p:spPr>
+        <p:txBody>
+          <a:bodyPr vert="horz" wrap="square" lIns="0" tIns="12700" rIns="0" bIns="0" rtlCol="0">
+            <a:spAutoFit/>
+          </a:bodyPr>
+          <a:lstStyle/>
+          <a:p>
+            <a:pPr marL="12700">
+              <a:lnSpc>
+                <a:spcPct val="100000"/>
+              </a:lnSpc>
+              <a:spcBef>
+                <a:spcPts val="100"/>
+              </a:spcBef>
+            </a:pPr>
+            <a:r>
+              <a:rPr lang="en-US" sz="1800" b="1">
+                <a:solidFill>
+                  <a:schemeClr val="bg1"/>
+                </a:solidFill>
+                <a:latin typeface="맑은 고딕"/>
+                <a:cs typeface="맑은 고딕"/>
+              </a:rPr>
+              <a:t>Shortcut set</a:t>
+            </a:r>
+            <a:endParaRPr sz="1800">
+              <a:solidFill>
+                <a:schemeClr val="bg1"/>
+              </a:solidFill>
+              <a:latin typeface="맑은 고딕"/>
+              <a:cs typeface="맑은 고딕"/>
+            </a:endParaRPr>
+          </a:p>
+        </p:txBody>
+      </p:sp>
     </p:spTree>
   </p:cSld>
   <p:clrMapOvr>
@@ -4669,55 +5267,6 @@
           <a:chExt cx="0" cy="0"/>
         </a:xfrm>
       </p:grpSpPr>
-      <p:sp>
-        <p:nvSpPr>
-          <p:cNvPr id="2" name="object 2"/>
-          <p:cNvSpPr txBox="1"/>
-          <p:nvPr/>
-        </p:nvSpPr>
-        <p:spPr>
-          <a:xfrm>
-            <a:off x="375614" y="440563"/>
-            <a:ext cx="2672385" cy="289823"/>
-          </a:xfrm>
-          <a:prstGeom prst="rect">
-            <a:avLst/>
-          </a:prstGeom>
-        </p:spPr>
-        <p:txBody>
-          <a:bodyPr vert="horz" wrap="square" lIns="0" tIns="12700" rIns="0" bIns="0" rtlCol="0">
-            <a:spAutoFit/>
-          </a:bodyPr>
-          <a:lstStyle/>
-          <a:p>
-            <a:pPr marL="12700">
-              <a:lnSpc>
-                <a:spcPct val="100000"/>
-              </a:lnSpc>
-              <a:spcBef>
-                <a:spcPts val="100"/>
-              </a:spcBef>
-            </a:pPr>
-            <a:r>
-              <a:rPr lang="en-US" altLang="ko-KR" b="1">
-                <a:solidFill>
-                  <a:schemeClr val="bg1"/>
-                </a:solidFill>
-                <a:latin typeface="맑은 고딕"/>
-                <a:cs typeface="맑은 고딕"/>
-              </a:rPr>
-              <a:t>How to add shortcuts</a:t>
-            </a:r>
-            <a:endParaRPr sz="1800">
-              <a:solidFill>
-                <a:schemeClr val="bg1"/>
-              </a:solidFill>
-              <a:latin typeface="맑은 고딕"/>
-              <a:cs typeface="맑은 고딕"/>
-            </a:endParaRPr>
-          </a:p>
-        </p:txBody>
-      </p:sp>
       <p:sp>
         <p:nvSpPr>
           <p:cNvPr id="10" name="TextBox 9">
@@ -4795,55 +5344,6 @@
           </a:prstGeom>
         </p:spPr>
       </p:pic>
-      <p:sp>
-        <p:nvSpPr>
-          <p:cNvPr id="15" name="TextBox 14">
-            <a:extLst>
-              <a:ext uri="{FF2B5EF4-FFF2-40B4-BE49-F238E27FC236}">
-                <a16:creationId xmlns:a16="http://schemas.microsoft.com/office/drawing/2014/main" id="{10EC7110-34F4-4796-B379-47858BCCA81F}"/>
-              </a:ext>
-            </a:extLst>
-          </p:cNvPr>
-          <p:cNvSpPr txBox="1"/>
-          <p:nvPr/>
-        </p:nvSpPr>
-        <p:spPr>
-          <a:xfrm>
-            <a:off x="267426" y="6918289"/>
-            <a:ext cx="6232434" cy="880369"/>
-          </a:xfrm>
-          <a:prstGeom prst="rect">
-            <a:avLst/>
-          </a:prstGeom>
-          <a:noFill/>
-        </p:spPr>
-        <p:txBody>
-          <a:bodyPr wrap="square">
-            <a:spAutoFit/>
-          </a:bodyPr>
-          <a:lstStyle/>
-          <a:p>
-            <a:pPr>
-              <a:lnSpc>
-                <a:spcPct val="150000"/>
-              </a:lnSpc>
-            </a:pPr>
-            <a:r>
-              <a:rPr lang="en-US" altLang="ko-KR">
-                <a:solidFill>
-                  <a:schemeClr val="bg1"/>
-                </a:solidFill>
-              </a:rPr>
-              <a:t>If you go to the following path, you will find the HotKey Settings asset.</a:t>
-            </a:r>
-            <a:endParaRPr lang="ko-KR" altLang="en-US">
-              <a:solidFill>
-                <a:schemeClr val="bg1"/>
-              </a:solidFill>
-            </a:endParaRPr>
-          </a:p>
-        </p:txBody>
-      </p:sp>
       <p:pic>
         <p:nvPicPr>
           <p:cNvPr id="16" name="Picture 15">
@@ -4873,55 +5373,6 @@
           </a:prstGeom>
         </p:spPr>
       </p:pic>
-      <p:sp>
-        <p:nvSpPr>
-          <p:cNvPr id="17" name="TextBox 16">
-            <a:extLst>
-              <a:ext uri="{FF2B5EF4-FFF2-40B4-BE49-F238E27FC236}">
-                <a16:creationId xmlns:a16="http://schemas.microsoft.com/office/drawing/2014/main" id="{A350CB9D-D765-413E-9B80-EB86D98EFE7C}"/>
-              </a:ext>
-            </a:extLst>
-          </p:cNvPr>
-          <p:cNvSpPr txBox="1"/>
-          <p:nvPr/>
-        </p:nvSpPr>
-        <p:spPr>
-          <a:xfrm>
-            <a:off x="267426" y="10668000"/>
-            <a:ext cx="6232434" cy="462627"/>
-          </a:xfrm>
-          <a:prstGeom prst="rect">
-            <a:avLst/>
-          </a:prstGeom>
-          <a:noFill/>
-        </p:spPr>
-        <p:txBody>
-          <a:bodyPr wrap="square">
-            <a:spAutoFit/>
-          </a:bodyPr>
-          <a:lstStyle/>
-          <a:p>
-            <a:pPr>
-              <a:lnSpc>
-                <a:spcPct val="150000"/>
-              </a:lnSpc>
-            </a:pPr>
-            <a:r>
-              <a:rPr lang="en-US" altLang="ko-KR">
-                <a:solidFill>
-                  <a:schemeClr val="bg1"/>
-                </a:solidFill>
-              </a:rPr>
-              <a:t>Click + to add a list.</a:t>
-            </a:r>
-            <a:endParaRPr lang="ko-KR" altLang="en-US">
-              <a:solidFill>
-                <a:schemeClr val="bg1"/>
-              </a:solidFill>
-            </a:endParaRPr>
-          </a:p>
-        </p:txBody>
-      </p:sp>
       <p:sp>
         <p:nvSpPr>
           <p:cNvPr id="18" name="Rectangle 17">
@@ -5003,6 +5454,159 @@
           </a:prstGeom>
         </p:spPr>
       </p:pic>
+      <p:sp>
+        <p:nvSpPr>
+          <p:cNvPr id="11" name="object 2">
+            <a:extLst>
+              <a:ext uri="{FF2B5EF4-FFF2-40B4-BE49-F238E27FC236}">
+                <a16:creationId xmlns:a16="http://schemas.microsoft.com/office/drawing/2014/main" id="{9CAFEC9F-A390-4C44-B49D-7062941C8C90}"/>
+              </a:ext>
+            </a:extLst>
+          </p:cNvPr>
+          <p:cNvSpPr txBox="1"/>
+          <p:nvPr/>
+        </p:nvSpPr>
+        <p:spPr>
+          <a:xfrm>
+            <a:off x="375614" y="440563"/>
+            <a:ext cx="2672385" cy="289823"/>
+          </a:xfrm>
+          <a:prstGeom prst="rect">
+            <a:avLst/>
+          </a:prstGeom>
+        </p:spPr>
+        <p:txBody>
+          <a:bodyPr vert="horz" wrap="square" lIns="0" tIns="12700" rIns="0" bIns="0" rtlCol="0">
+            <a:spAutoFit/>
+          </a:bodyPr>
+          <a:lstStyle/>
+          <a:p>
+            <a:pPr marL="12700">
+              <a:lnSpc>
+                <a:spcPct val="100000"/>
+              </a:lnSpc>
+              <a:spcBef>
+                <a:spcPts val="100"/>
+              </a:spcBef>
+            </a:pPr>
+            <a:r>
+              <a:rPr lang="en-US" altLang="ko-KR" b="1">
+                <a:solidFill>
+                  <a:schemeClr val="bg1"/>
+                </a:solidFill>
+                <a:latin typeface="맑은 고딕"/>
+                <a:cs typeface="맑은 고딕"/>
+              </a:rPr>
+              <a:t>How to add shortcuts</a:t>
+            </a:r>
+            <a:endParaRPr sz="1800">
+              <a:solidFill>
+                <a:schemeClr val="bg1"/>
+              </a:solidFill>
+              <a:latin typeface="맑은 고딕"/>
+              <a:cs typeface="맑은 고딕"/>
+            </a:endParaRPr>
+          </a:p>
+        </p:txBody>
+      </p:sp>
+      <p:sp>
+        <p:nvSpPr>
+          <p:cNvPr id="14" name="TextBox 13">
+            <a:extLst>
+              <a:ext uri="{FF2B5EF4-FFF2-40B4-BE49-F238E27FC236}">
+                <a16:creationId xmlns:a16="http://schemas.microsoft.com/office/drawing/2014/main" id="{79061D14-28DE-4C6C-AC08-ABDD4548CC35}"/>
+              </a:ext>
+            </a:extLst>
+          </p:cNvPr>
+          <p:cNvSpPr txBox="1"/>
+          <p:nvPr/>
+        </p:nvSpPr>
+        <p:spPr>
+          <a:xfrm>
+            <a:off x="267426" y="6918289"/>
+            <a:ext cx="6232434" cy="880369"/>
+          </a:xfrm>
+          <a:prstGeom prst="rect">
+            <a:avLst/>
+          </a:prstGeom>
+          <a:noFill/>
+        </p:spPr>
+        <p:txBody>
+          <a:bodyPr wrap="square">
+            <a:spAutoFit/>
+          </a:bodyPr>
+          <a:lstStyle/>
+          <a:p>
+            <a:pPr>
+              <a:lnSpc>
+                <a:spcPct val="150000"/>
+              </a:lnSpc>
+            </a:pPr>
+            <a:r>
+              <a:rPr lang="en-US" altLang="ko-KR">
+                <a:solidFill>
+                  <a:schemeClr val="bg1"/>
+                </a:solidFill>
+              </a:rPr>
+              <a:t>If you go to the following path, you will find the HotKey Settings asset.</a:t>
+            </a:r>
+            <a:endParaRPr lang="ko-KR" altLang="en-US">
+              <a:solidFill>
+                <a:schemeClr val="bg1"/>
+              </a:solidFill>
+            </a:endParaRPr>
+          </a:p>
+        </p:txBody>
+      </p:sp>
+      <p:sp>
+        <p:nvSpPr>
+          <p:cNvPr id="19" name="TextBox 18">
+            <a:extLst>
+              <a:ext uri="{FF2B5EF4-FFF2-40B4-BE49-F238E27FC236}">
+                <a16:creationId xmlns:a16="http://schemas.microsoft.com/office/drawing/2014/main" id="{6ABECAC7-5E47-4569-98BC-F8F5B95DB820}"/>
+              </a:ext>
+            </a:extLst>
+          </p:cNvPr>
+          <p:cNvSpPr txBox="1"/>
+          <p:nvPr/>
+        </p:nvSpPr>
+        <p:spPr>
+          <a:xfrm>
+            <a:off x="267426" y="10668000"/>
+            <a:ext cx="6232434" cy="462627"/>
+          </a:xfrm>
+          <a:prstGeom prst="rect">
+            <a:avLst/>
+          </a:prstGeom>
+          <a:noFill/>
+        </p:spPr>
+        <p:txBody>
+          <a:bodyPr wrap="square">
+            <a:spAutoFit/>
+          </a:bodyPr>
+          <a:lstStyle/>
+          <a:p>
+            <a:pPr>
+              <a:lnSpc>
+                <a:spcPct val="150000"/>
+              </a:lnSpc>
+            </a:pPr>
+            <a:r>
+              <a:rPr lang="en-US" altLang="ko-KR">
+                <a:solidFill>
+                  <a:schemeClr val="bg1"/>
+                </a:solidFill>
+              </a:rPr>
+              <a:t>Click + to add a list.</a:t>
+            </a:r>
+            <a:endParaRPr lang="ko-KR" altLang="en-US">
+              <a:solidFill>
+                <a:schemeClr val="bg1"/>
+              </a:solidFill>
+            </a:endParaRPr>
+          </a:p>
+        </p:txBody>
+      </p:sp>
     </p:spTree>
     <p:extLst>
       <p:ext uri="{BB962C8B-B14F-4D97-AF65-F5344CB8AC3E}">
@@ -5035,124 +5639,6 @@
       </p:grpSpPr>
       <p:sp>
         <p:nvSpPr>
-          <p:cNvPr id="2" name="object 2"/>
-          <p:cNvSpPr txBox="1"/>
-          <p:nvPr/>
-        </p:nvSpPr>
-        <p:spPr>
-          <a:xfrm>
-            <a:off x="375614" y="440563"/>
-            <a:ext cx="2672385" cy="289823"/>
-          </a:xfrm>
-          <a:prstGeom prst="rect">
-            <a:avLst/>
-          </a:prstGeom>
-        </p:spPr>
-        <p:txBody>
-          <a:bodyPr vert="horz" wrap="square" lIns="0" tIns="12700" rIns="0" bIns="0" rtlCol="0">
-            <a:spAutoFit/>
-          </a:bodyPr>
-          <a:lstStyle/>
-          <a:p>
-            <a:pPr marL="12700">
-              <a:lnSpc>
-                <a:spcPct val="100000"/>
-              </a:lnSpc>
-              <a:spcBef>
-                <a:spcPts val="100"/>
-              </a:spcBef>
-            </a:pPr>
-            <a:r>
-              <a:rPr lang="en-US" altLang="ko-KR" b="1">
-                <a:solidFill>
-                  <a:schemeClr val="bg1"/>
-                </a:solidFill>
-                <a:latin typeface="맑은 고딕"/>
-                <a:cs typeface="맑은 고딕"/>
-              </a:rPr>
-              <a:t>How to add shortcuts</a:t>
-            </a:r>
-            <a:endParaRPr sz="1800">
-              <a:solidFill>
-                <a:schemeClr val="bg1"/>
-              </a:solidFill>
-              <a:latin typeface="맑은 고딕"/>
-              <a:cs typeface="맑은 고딕"/>
-            </a:endParaRPr>
-          </a:p>
-        </p:txBody>
-      </p:sp>
-      <p:sp>
-        <p:nvSpPr>
-          <p:cNvPr id="17" name="TextBox 16">
-            <a:extLst>
-              <a:ext uri="{FF2B5EF4-FFF2-40B4-BE49-F238E27FC236}">
-                <a16:creationId xmlns:a16="http://schemas.microsoft.com/office/drawing/2014/main" id="{A350CB9D-D765-413E-9B80-EB86D98EFE7C}"/>
-              </a:ext>
-            </a:extLst>
-          </p:cNvPr>
-          <p:cNvSpPr txBox="1"/>
-          <p:nvPr/>
-        </p:nvSpPr>
-        <p:spPr>
-          <a:xfrm>
-            <a:off x="400050" y="2379807"/>
-            <a:ext cx="6099810" cy="1152688"/>
-          </a:xfrm>
-          <a:prstGeom prst="rect">
-            <a:avLst/>
-          </a:prstGeom>
-          <a:noFill/>
-        </p:spPr>
-        <p:txBody>
-          <a:bodyPr wrap="square">
-            <a:spAutoFit/>
-          </a:bodyPr>
-          <a:lstStyle/>
-          <a:p>
-            <a:pPr>
-              <a:lnSpc>
-                <a:spcPct val="150000"/>
-              </a:lnSpc>
-            </a:pPr>
-            <a:r>
-              <a:rPr lang="en-US" altLang="ko-KR" sz="1600">
-                <a:solidFill>
-                  <a:schemeClr val="bg1"/>
-                </a:solidFill>
-                <a:latin typeface="+mj-ea"/>
-                <a:ea typeface="+mj-ea"/>
-              </a:rPr>
-              <a:t>If you move from the package folder to the following path, you can see the nodes used in the shader graph.(It is </a:t>
-            </a:r>
-            <a:r>
-              <a:rPr lang="en-US" altLang="ko-KR" sz="1600">
-                <a:solidFill>
-                  <a:schemeClr val="tx1">
-                    <a:lumMod val="50000"/>
-                    <a:lumOff val="50000"/>
-                  </a:schemeClr>
-                </a:solidFill>
-                <a:latin typeface="+mj-ea"/>
-                <a:ea typeface="+mj-ea"/>
-              </a:rPr>
-              <a:t>recommended to use only what is in the folder)</a:t>
-            </a:r>
-            <a:endParaRPr lang="ko-KR" altLang="en-US" sz="1600">
-              <a:solidFill>
-                <a:schemeClr val="tx1">
-                  <a:lumMod val="50000"/>
-                  <a:lumOff val="50000"/>
-                </a:schemeClr>
-              </a:solidFill>
-              <a:latin typeface="+mj-ea"/>
-              <a:ea typeface="+mj-ea"/>
-            </a:endParaRPr>
-          </a:p>
-        </p:txBody>
-      </p:sp>
-      <p:sp>
-        <p:nvSpPr>
           <p:cNvPr id="11" name="TextBox 10">
             <a:extLst>
               <a:ext uri="{FF2B5EF4-FFF2-40B4-BE49-F238E27FC236}">
@@ -5220,99 +5706,6 @@
           </a:prstGeom>
         </p:spPr>
       </p:pic>
-      <p:sp>
-        <p:nvSpPr>
-          <p:cNvPr id="20" name="TextBox 19">
-            <a:extLst>
-              <a:ext uri="{FF2B5EF4-FFF2-40B4-BE49-F238E27FC236}">
-                <a16:creationId xmlns:a16="http://schemas.microsoft.com/office/drawing/2014/main" id="{BDDD05E1-E863-4278-8159-3394D9A1BD00}"/>
-              </a:ext>
-            </a:extLst>
-          </p:cNvPr>
-          <p:cNvSpPr txBox="1"/>
-          <p:nvPr/>
-        </p:nvSpPr>
-        <p:spPr>
-          <a:xfrm>
-            <a:off x="375613" y="8305800"/>
-            <a:ext cx="5818047" cy="1164614"/>
-          </a:xfrm>
-          <a:prstGeom prst="rect">
-            <a:avLst/>
-          </a:prstGeom>
-          <a:noFill/>
-        </p:spPr>
-        <p:txBody>
-          <a:bodyPr wrap="square" lIns="0">
-            <a:spAutoFit/>
-          </a:bodyPr>
-          <a:lstStyle/>
-          <a:p>
-            <a:pPr>
-              <a:lnSpc>
-                <a:spcPct val="150000"/>
-              </a:lnSpc>
-            </a:pPr>
-            <a:r>
-              <a:rPr lang="en-US" altLang="ko-KR">
-                <a:solidFill>
-                  <a:schemeClr val="bg1"/>
-                </a:solidFill>
-                <a:latin typeface="+mj-ea"/>
-                <a:ea typeface="+mj-ea"/>
-              </a:rPr>
-              <a:t>Assuming this node applies to shortcut keys,</a:t>
-            </a:r>
-          </a:p>
-          <a:p>
-            <a:pPr>
-              <a:lnSpc>
-                <a:spcPct val="150000"/>
-              </a:lnSpc>
-            </a:pPr>
-            <a:r>
-              <a:rPr lang="en-US" altLang="ko-KR">
-                <a:solidFill>
-                  <a:schemeClr val="bg1"/>
-                </a:solidFill>
-                <a:latin typeface="+mj-ea"/>
-                <a:ea typeface="+mj-ea"/>
-              </a:rPr>
-              <a:t>copy the node's class name.</a:t>
-            </a:r>
-          </a:p>
-          <a:p>
-            <a:pPr>
-              <a:lnSpc>
-                <a:spcPct val="150000"/>
-              </a:lnSpc>
-            </a:pPr>
-            <a:r>
-              <a:rPr lang="en-US" altLang="ko-KR" sz="1200">
-                <a:solidFill>
-                  <a:schemeClr val="tx1">
-                    <a:lumMod val="50000"/>
-                    <a:lumOff val="50000"/>
-                  </a:schemeClr>
-                </a:solidFill>
-                <a:latin typeface="+mj-ea"/>
-                <a:ea typeface="+mj-ea"/>
-              </a:rPr>
-              <a:t>TMI : Sometimes, the C# file name and the class name are different, so be careful.</a:t>
-            </a:r>
-            <a:endParaRPr lang="en-US" altLang="ko-KR" sz="1000">
-              <a:solidFill>
-                <a:schemeClr val="tx1">
-                  <a:lumMod val="50000"/>
-                  <a:lumOff val="50000"/>
-                </a:schemeClr>
-              </a:solidFill>
-              <a:latin typeface="+mj-ea"/>
-              <a:ea typeface="+mj-ea"/>
-            </a:endParaRPr>
-          </a:p>
-        </p:txBody>
-      </p:sp>
       <p:sp>
         <p:nvSpPr>
           <p:cNvPr id="13" name="Rectangle 12">
@@ -5535,10 +5928,227 @@
       </p:cxnSp>
       <p:sp>
         <p:nvSpPr>
-          <p:cNvPr id="30" name="TextBox 29">
+          <p:cNvPr id="14" name="object 2">
             <a:extLst>
               <a:ext uri="{FF2B5EF4-FFF2-40B4-BE49-F238E27FC236}">
-                <a16:creationId xmlns:a16="http://schemas.microsoft.com/office/drawing/2014/main" id="{4B57E491-1BF5-44DC-A5F0-BDE34B406502}"/>
+                <a16:creationId xmlns:a16="http://schemas.microsoft.com/office/drawing/2014/main" id="{31D26068-27AA-44C8-81F0-785658EFAB65}"/>
+              </a:ext>
+            </a:extLst>
+          </p:cNvPr>
+          <p:cNvSpPr txBox="1"/>
+          <p:nvPr/>
+        </p:nvSpPr>
+        <p:spPr>
+          <a:xfrm>
+            <a:off x="375614" y="440563"/>
+            <a:ext cx="2672385" cy="289823"/>
+          </a:xfrm>
+          <a:prstGeom prst="rect">
+            <a:avLst/>
+          </a:prstGeom>
+        </p:spPr>
+        <p:txBody>
+          <a:bodyPr vert="horz" wrap="square" lIns="0" tIns="12700" rIns="0" bIns="0" rtlCol="0">
+            <a:spAutoFit/>
+          </a:bodyPr>
+          <a:lstStyle/>
+          <a:p>
+            <a:pPr marL="12700">
+              <a:lnSpc>
+                <a:spcPct val="100000"/>
+              </a:lnSpc>
+              <a:spcBef>
+                <a:spcPts val="100"/>
+              </a:spcBef>
+            </a:pPr>
+            <a:r>
+              <a:rPr lang="en-US" altLang="ko-KR" b="1">
+                <a:solidFill>
+                  <a:schemeClr val="bg1"/>
+                </a:solidFill>
+                <a:latin typeface="맑은 고딕"/>
+                <a:cs typeface="맑은 고딕"/>
+              </a:rPr>
+              <a:t>How to add shortcuts</a:t>
+            </a:r>
+            <a:endParaRPr sz="1800">
+              <a:solidFill>
+                <a:schemeClr val="bg1"/>
+              </a:solidFill>
+              <a:latin typeface="맑은 고딕"/>
+              <a:cs typeface="맑은 고딕"/>
+            </a:endParaRPr>
+          </a:p>
+        </p:txBody>
+      </p:sp>
+      <p:sp>
+        <p:nvSpPr>
+          <p:cNvPr id="15" name="TextBox 14">
+            <a:extLst>
+              <a:ext uri="{FF2B5EF4-FFF2-40B4-BE49-F238E27FC236}">
+                <a16:creationId xmlns:a16="http://schemas.microsoft.com/office/drawing/2014/main" id="{109BA583-1BBB-49D3-9F5B-1F74C38B0BE7}"/>
+              </a:ext>
+            </a:extLst>
+          </p:cNvPr>
+          <p:cNvSpPr txBox="1"/>
+          <p:nvPr/>
+        </p:nvSpPr>
+        <p:spPr>
+          <a:xfrm>
+            <a:off x="400050" y="2379807"/>
+            <a:ext cx="6099810" cy="1152688"/>
+          </a:xfrm>
+          <a:prstGeom prst="rect">
+            <a:avLst/>
+          </a:prstGeom>
+          <a:noFill/>
+        </p:spPr>
+        <p:txBody>
+          <a:bodyPr wrap="square">
+            <a:spAutoFit/>
+          </a:bodyPr>
+          <a:lstStyle/>
+          <a:p>
+            <a:pPr>
+              <a:lnSpc>
+                <a:spcPct val="150000"/>
+              </a:lnSpc>
+            </a:pPr>
+            <a:r>
+              <a:rPr lang="en-US" altLang="ko-KR" sz="1600">
+                <a:solidFill>
+                  <a:schemeClr val="bg1"/>
+                </a:solidFill>
+                <a:latin typeface="+mj-ea"/>
+                <a:ea typeface="+mj-ea"/>
+              </a:rPr>
+              <a:t>If you move from the package folder to the following path, you can see the nodes used in the shader graph.(It is </a:t>
+            </a:r>
+            <a:r>
+              <a:rPr lang="en-US" altLang="ko-KR" sz="1600">
+                <a:solidFill>
+                  <a:schemeClr val="tx1">
+                    <a:lumMod val="50000"/>
+                    <a:lumOff val="50000"/>
+                  </a:schemeClr>
+                </a:solidFill>
+                <a:latin typeface="+mj-ea"/>
+                <a:ea typeface="+mj-ea"/>
+              </a:rPr>
+              <a:t>recommended to use only what is in the folder)</a:t>
+            </a:r>
+            <a:endParaRPr lang="ko-KR" altLang="en-US" sz="1600">
+              <a:solidFill>
+                <a:schemeClr val="tx1">
+                  <a:lumMod val="50000"/>
+                  <a:lumOff val="50000"/>
+                </a:schemeClr>
+              </a:solidFill>
+              <a:latin typeface="+mj-ea"/>
+              <a:ea typeface="+mj-ea"/>
+            </a:endParaRPr>
+          </a:p>
+        </p:txBody>
+      </p:sp>
+      <p:sp>
+        <p:nvSpPr>
+          <p:cNvPr id="16" name="TextBox 15">
+            <a:extLst>
+              <a:ext uri="{FF2B5EF4-FFF2-40B4-BE49-F238E27FC236}">
+                <a16:creationId xmlns:a16="http://schemas.microsoft.com/office/drawing/2014/main" id="{C26DDC4E-8F7D-440E-8423-B912820E5D17}"/>
+              </a:ext>
+            </a:extLst>
+          </p:cNvPr>
+          <p:cNvSpPr txBox="1"/>
+          <p:nvPr/>
+        </p:nvSpPr>
+        <p:spPr>
+          <a:xfrm>
+            <a:off x="375613" y="8305800"/>
+            <a:ext cx="5818047" cy="1164614"/>
+          </a:xfrm>
+          <a:prstGeom prst="rect">
+            <a:avLst/>
+          </a:prstGeom>
+          <a:noFill/>
+        </p:spPr>
+        <p:txBody>
+          <a:bodyPr wrap="square" lIns="0">
+            <a:spAutoFit/>
+          </a:bodyPr>
+          <a:lstStyle/>
+          <a:p>
+            <a:pPr>
+              <a:lnSpc>
+                <a:spcPct val="150000"/>
+              </a:lnSpc>
+            </a:pPr>
+            <a:r>
+              <a:rPr lang="en-US" altLang="ko-KR">
+                <a:solidFill>
+                  <a:schemeClr val="bg1"/>
+                </a:solidFill>
+                <a:latin typeface="+mj-ea"/>
+                <a:ea typeface="+mj-ea"/>
+              </a:rPr>
+              <a:t>Assuming this node applies to shortcut keys,</a:t>
+            </a:r>
+          </a:p>
+          <a:p>
+            <a:pPr>
+              <a:lnSpc>
+                <a:spcPct val="150000"/>
+              </a:lnSpc>
+            </a:pPr>
+            <a:r>
+              <a:rPr lang="en-US" altLang="ko-KR">
+                <a:solidFill>
+                  <a:schemeClr val="bg1"/>
+                </a:solidFill>
+                <a:latin typeface="+mj-ea"/>
+                <a:ea typeface="+mj-ea"/>
+              </a:rPr>
+              <a:t>copy the node's class name.</a:t>
+            </a:r>
+          </a:p>
+          <a:p>
+            <a:pPr>
+              <a:lnSpc>
+                <a:spcPct val="150000"/>
+              </a:lnSpc>
+            </a:pPr>
+            <a:r>
+              <a:rPr lang="en-US" altLang="ko-KR" sz="1200">
+                <a:solidFill>
+                  <a:schemeClr val="tx1">
+                    <a:lumMod val="50000"/>
+                    <a:lumOff val="50000"/>
+                  </a:schemeClr>
+                </a:solidFill>
+                <a:latin typeface="+mj-ea"/>
+                <a:ea typeface="+mj-ea"/>
+              </a:rPr>
+              <a:t>TMI : Sometimes, the C# file name and the class name are different, so be careful.</a:t>
+            </a:r>
+            <a:endParaRPr lang="en-US" altLang="ko-KR" sz="1000">
+              <a:solidFill>
+                <a:schemeClr val="tx1">
+                  <a:lumMod val="50000"/>
+                  <a:lumOff val="50000"/>
+                </a:schemeClr>
+              </a:solidFill>
+              <a:latin typeface="+mj-ea"/>
+              <a:ea typeface="+mj-ea"/>
+            </a:endParaRPr>
+          </a:p>
+        </p:txBody>
+      </p:sp>
+      <p:sp>
+        <p:nvSpPr>
+          <p:cNvPr id="18" name="TextBox 17">
+            <a:extLst>
+              <a:ext uri="{FF2B5EF4-FFF2-40B4-BE49-F238E27FC236}">
+                <a16:creationId xmlns:a16="http://schemas.microsoft.com/office/drawing/2014/main" id="{7712A463-5F22-4EC9-B3CC-A62A44CEA287}"/>
               </a:ext>
             </a:extLst>
           </p:cNvPr>
@@ -5637,14 +6247,14 @@
               </a:spcBef>
             </a:pPr>
             <a:r>
-              <a:rPr lang="ko-KR" altLang="en-US" b="1">
+              <a:rPr lang="en-US" altLang="ko-KR" b="1">
                 <a:solidFill>
                   <a:schemeClr val="bg1"/>
                 </a:solidFill>
                 <a:latin typeface="맑은 고딕"/>
                 <a:cs typeface="맑은 고딕"/>
               </a:rPr>
-              <a:t>단축키를 추가하는 방법</a:t>
+              <a:t>How to add shortcuts</a:t>
             </a:r>
             <a:endParaRPr sz="1800">
               <a:solidFill>
@@ -5652,171 +6262,6 @@
               </a:solidFill>
               <a:latin typeface="맑은 고딕"/>
               <a:cs typeface="맑은 고딕"/>
-            </a:endParaRPr>
-          </a:p>
-        </p:txBody>
-      </p:sp>
-      <p:sp>
-        <p:nvSpPr>
-          <p:cNvPr id="14" name="TextBox 13">
-            <a:extLst>
-              <a:ext uri="{FF2B5EF4-FFF2-40B4-BE49-F238E27FC236}">
-                <a16:creationId xmlns:a16="http://schemas.microsoft.com/office/drawing/2014/main" id="{97E86979-EA57-4290-8C06-6E74B28B1CF5}"/>
-              </a:ext>
-            </a:extLst>
-          </p:cNvPr>
-          <p:cNvSpPr txBox="1"/>
-          <p:nvPr/>
-        </p:nvSpPr>
-        <p:spPr>
-          <a:xfrm>
-            <a:off x="343877" y="2729343"/>
-            <a:ext cx="6099810" cy="869790"/>
-          </a:xfrm>
-          <a:prstGeom prst="rect">
-            <a:avLst/>
-          </a:prstGeom>
-          <a:noFill/>
-        </p:spPr>
-        <p:txBody>
-          <a:bodyPr wrap="square">
-            <a:spAutoFit/>
-          </a:bodyPr>
-          <a:lstStyle/>
-          <a:p>
-            <a:pPr>
-              <a:lnSpc>
-                <a:spcPct val="150000"/>
-              </a:lnSpc>
-            </a:pPr>
-            <a:r>
-              <a:rPr lang="en-US" altLang="ko-KR" b="1" u="sng">
-                <a:solidFill>
-                  <a:schemeClr val="bg1"/>
-                </a:solidFill>
-                <a:latin typeface="+mj-ea"/>
-                <a:ea typeface="+mj-ea"/>
-              </a:rPr>
-              <a:t>Write the desired node</a:t>
-            </a:r>
-            <a:r>
-              <a:rPr lang="en-US" altLang="ko-KR">
-                <a:solidFill>
-                  <a:schemeClr val="bg1"/>
-                </a:solidFill>
-                <a:latin typeface="+mj-ea"/>
-                <a:ea typeface="+mj-ea"/>
-              </a:rPr>
-              <a:t> </a:t>
-            </a:r>
-            <a:r>
-              <a:rPr lang="en-US" altLang="ko-KR">
-                <a:solidFill>
-                  <a:schemeClr val="tx1">
-                    <a:lumMod val="50000"/>
-                    <a:lumOff val="50000"/>
-                  </a:schemeClr>
-                </a:solidFill>
-                <a:latin typeface="+mj-ea"/>
-                <a:ea typeface="+mj-ea"/>
-              </a:rPr>
-              <a:t>(class)</a:t>
-            </a:r>
-            <a:r>
-              <a:rPr lang="en-US" altLang="ko-KR">
-                <a:solidFill>
-                  <a:schemeClr val="bg1"/>
-                </a:solidFill>
-                <a:latin typeface="+mj-ea"/>
-                <a:ea typeface="+mj-ea"/>
-              </a:rPr>
-              <a:t> </a:t>
-            </a:r>
-            <a:r>
-              <a:rPr lang="en-US" altLang="ko-KR" b="1" u="sng">
-                <a:solidFill>
-                  <a:schemeClr val="bg1"/>
-                </a:solidFill>
-                <a:latin typeface="+mj-ea"/>
-                <a:ea typeface="+mj-ea"/>
-              </a:rPr>
-              <a:t>name</a:t>
-            </a:r>
-            <a:r>
-              <a:rPr lang="en-US" altLang="ko-KR">
-                <a:solidFill>
-                  <a:schemeClr val="bg1"/>
-                </a:solidFill>
-                <a:latin typeface="+mj-ea"/>
-                <a:ea typeface="+mj-ea"/>
-              </a:rPr>
-              <a:t> in the settings file, and </a:t>
-            </a:r>
-            <a:r>
-              <a:rPr lang="en-US" altLang="ko-KR" b="1" u="sng">
-                <a:solidFill>
-                  <a:schemeClr val="bg1"/>
-                </a:solidFill>
-                <a:latin typeface="+mj-ea"/>
-                <a:ea typeface="+mj-ea"/>
-              </a:rPr>
-              <a:t>select the desired keystroke.</a:t>
-            </a:r>
-          </a:p>
-        </p:txBody>
-      </p:sp>
-      <p:sp>
-        <p:nvSpPr>
-          <p:cNvPr id="15" name="TextBox 14">
-            <a:extLst>
-              <a:ext uri="{FF2B5EF4-FFF2-40B4-BE49-F238E27FC236}">
-                <a16:creationId xmlns:a16="http://schemas.microsoft.com/office/drawing/2014/main" id="{6C42DD93-B9A9-481D-B7C4-E90EF588835C}"/>
-              </a:ext>
-            </a:extLst>
-          </p:cNvPr>
-          <p:cNvSpPr txBox="1"/>
-          <p:nvPr/>
-        </p:nvSpPr>
-        <p:spPr>
-          <a:xfrm>
-            <a:off x="4953000" y="8924240"/>
-            <a:ext cx="1657350" cy="896720"/>
-          </a:xfrm>
-          <a:prstGeom prst="rect">
-            <a:avLst/>
-          </a:prstGeom>
-          <a:noFill/>
-        </p:spPr>
-        <p:txBody>
-          <a:bodyPr wrap="square">
-            <a:spAutoFit/>
-          </a:bodyPr>
-          <a:lstStyle/>
-          <a:p>
-            <a:pPr algn="r">
-              <a:lnSpc>
-                <a:spcPct val="150000"/>
-              </a:lnSpc>
-            </a:pPr>
-            <a:r>
-              <a:rPr lang="en-US" altLang="ko-KR" sz="4000">
-                <a:solidFill>
-                  <a:schemeClr val="bg1"/>
-                </a:solidFill>
-                <a:latin typeface="+mj-ea"/>
-                <a:ea typeface="+mj-ea"/>
-              </a:rPr>
-              <a:t>END!</a:t>
-            </a:r>
-            <a:endParaRPr lang="ko-KR" altLang="en-US" sz="4000">
-              <a:solidFill>
-                <a:schemeClr val="tx1">
-                  <a:lumMod val="50000"/>
-                  <a:lumOff val="50000"/>
-                </a:schemeClr>
-              </a:solidFill>
-              <a:latin typeface="+mj-ea"/>
-              <a:ea typeface="+mj-ea"/>
             </a:endParaRPr>
           </a:p>
         </p:txBody>
@@ -5851,76 +6296,6 @@
           </a:prstGeom>
         </p:spPr>
       </p:pic>
-      <p:sp>
-        <p:nvSpPr>
-          <p:cNvPr id="21" name="TextBox 20">
-            <a:extLst>
-              <a:ext uri="{FF2B5EF4-FFF2-40B4-BE49-F238E27FC236}">
-                <a16:creationId xmlns:a16="http://schemas.microsoft.com/office/drawing/2014/main" id="{9C664A2E-0120-4F70-A3C8-3DDAFE3AA6FF}"/>
-              </a:ext>
-            </a:extLst>
-          </p:cNvPr>
-          <p:cNvSpPr txBox="1"/>
-          <p:nvPr/>
-        </p:nvSpPr>
-        <p:spPr>
-          <a:xfrm>
-            <a:off x="375613" y="7543800"/>
-            <a:ext cx="6068073" cy="1285288"/>
-          </a:xfrm>
-          <a:prstGeom prst="rect">
-            <a:avLst/>
-          </a:prstGeom>
-          <a:noFill/>
-        </p:spPr>
-        <p:txBody>
-          <a:bodyPr wrap="square">
-            <a:spAutoFit/>
-          </a:bodyPr>
-          <a:lstStyle/>
-          <a:p>
-            <a:pPr>
-              <a:lnSpc>
-                <a:spcPct val="150000"/>
-              </a:lnSpc>
-            </a:pPr>
-            <a:r>
-              <a:rPr lang="en-US" altLang="ko-KR" b="1">
-                <a:solidFill>
-                  <a:schemeClr val="bg1"/>
-                </a:solidFill>
-                <a:latin typeface="+mj-ea"/>
-                <a:ea typeface="+mj-ea"/>
-              </a:rPr>
-              <a:t>Caution!</a:t>
-            </a:r>
-          </a:p>
-          <a:p>
-            <a:pPr>
-              <a:lnSpc>
-                <a:spcPct val="150000"/>
-              </a:lnSpc>
-            </a:pPr>
-            <a:r>
-              <a:rPr lang="en-US" altLang="ko-KR">
-                <a:solidFill>
-                  <a:schemeClr val="bg1"/>
-                </a:solidFill>
-                <a:latin typeface="+mj-ea"/>
-                <a:ea typeface="+mj-ea"/>
-              </a:rPr>
-              <a:t>If key input is duplicated with other nodes, it may not work, so be careful.</a:t>
-            </a:r>
-            <a:endParaRPr lang="ko-KR" altLang="en-US">
-              <a:solidFill>
-                <a:schemeClr val="bg1"/>
-              </a:solidFill>
-              <a:latin typeface="+mj-ea"/>
-              <a:ea typeface="+mj-ea"/>
-            </a:endParaRPr>
-          </a:p>
-        </p:txBody>
-      </p:sp>
       <p:pic>
         <p:nvPicPr>
           <p:cNvPr id="4" name="그림 3">
@@ -5953,10 +6328,119 @@
       </p:pic>
       <p:sp>
         <p:nvSpPr>
-          <p:cNvPr id="9" name="TextBox 8">
+          <p:cNvPr id="8" name="TextBox 7">
             <a:extLst>
               <a:ext uri="{FF2B5EF4-FFF2-40B4-BE49-F238E27FC236}">
-                <a16:creationId xmlns:a16="http://schemas.microsoft.com/office/drawing/2014/main" id="{093CFDB7-B36B-40FA-9778-6DCD73041344}"/>
+                <a16:creationId xmlns:a16="http://schemas.microsoft.com/office/drawing/2014/main" id="{AC16C1D6-31BF-49B6-8B9C-FC9D5D884052}"/>
+              </a:ext>
+            </a:extLst>
+          </p:cNvPr>
+          <p:cNvSpPr txBox="1"/>
+          <p:nvPr/>
+        </p:nvSpPr>
+        <p:spPr>
+          <a:xfrm>
+            <a:off x="343877" y="2729343"/>
+            <a:ext cx="6099810" cy="869790"/>
+          </a:xfrm>
+          <a:prstGeom prst="rect">
+            <a:avLst/>
+          </a:prstGeom>
+          <a:noFill/>
+        </p:spPr>
+        <p:txBody>
+          <a:bodyPr wrap="square">
+            <a:spAutoFit/>
+          </a:bodyPr>
+          <a:lstStyle/>
+          <a:p>
+            <a:pPr>
+              <a:lnSpc>
+                <a:spcPct val="150000"/>
+              </a:lnSpc>
+            </a:pPr>
+            <a:r>
+              <a:rPr lang="en-US" altLang="ko-KR" b="1" u="sng">
+                <a:solidFill>
+                  <a:schemeClr val="bg1"/>
+                </a:solidFill>
+                <a:latin typeface="+mj-ea"/>
+                <a:ea typeface="+mj-ea"/>
+              </a:rPr>
+              <a:t>Write the desired node</a:t>
+            </a:r>
+            <a:r>
+              <a:rPr lang="en-US" altLang="ko-KR">
+                <a:solidFill>
+                  <a:schemeClr val="bg1"/>
+                </a:solidFill>
+                <a:latin typeface="+mj-ea"/>
+                <a:ea typeface="+mj-ea"/>
+              </a:rPr>
+              <a:t> </a:t>
+            </a:r>
+            <a:r>
+              <a:rPr lang="en-US" altLang="ko-KR">
+                <a:solidFill>
+                  <a:schemeClr val="tx1">
+                    <a:lumMod val="50000"/>
+                    <a:lumOff val="50000"/>
+                  </a:schemeClr>
+                </a:solidFill>
+                <a:latin typeface="+mj-ea"/>
+                <a:ea typeface="+mj-ea"/>
+              </a:rPr>
+              <a:t>(class)</a:t>
+            </a:r>
+            <a:r>
+              <a:rPr lang="en-US" altLang="ko-KR">
+                <a:solidFill>
+                  <a:schemeClr val="bg1"/>
+                </a:solidFill>
+                <a:latin typeface="+mj-ea"/>
+                <a:ea typeface="+mj-ea"/>
+              </a:rPr>
+              <a:t> </a:t>
+            </a:r>
+            <a:r>
+              <a:rPr lang="en-US" altLang="ko-KR" b="1" u="sng">
+                <a:solidFill>
+                  <a:schemeClr val="bg1"/>
+                </a:solidFill>
+                <a:latin typeface="+mj-ea"/>
+                <a:ea typeface="+mj-ea"/>
+              </a:rPr>
+              <a:t>name</a:t>
+            </a:r>
+            <a:r>
+              <a:rPr lang="en-US" altLang="ko-KR">
+                <a:solidFill>
+                  <a:schemeClr val="bg1"/>
+                </a:solidFill>
+                <a:latin typeface="+mj-ea"/>
+                <a:ea typeface="+mj-ea"/>
+              </a:rPr>
+              <a:t> in the settings file, and </a:t>
+            </a:r>
+            <a:r>
+              <a:rPr lang="en-US" altLang="ko-KR" b="1" u="sng">
+                <a:solidFill>
+                  <a:schemeClr val="bg1"/>
+                </a:solidFill>
+                <a:latin typeface="+mj-ea"/>
+                <a:ea typeface="+mj-ea"/>
+              </a:rPr>
+              <a:t>select the desired keystroke.</a:t>
+            </a:r>
+          </a:p>
+        </p:txBody>
+      </p:sp>
+      <p:sp>
+        <p:nvSpPr>
+          <p:cNvPr id="10" name="TextBox 9">
+            <a:extLst>
+              <a:ext uri="{FF2B5EF4-FFF2-40B4-BE49-F238E27FC236}">
+                <a16:creationId xmlns:a16="http://schemas.microsoft.com/office/drawing/2014/main" id="{359B27B7-7378-4F3B-B265-53237CBC4264}"/>
               </a:ext>
             </a:extLst>
           </p:cNvPr>
@@ -5992,8 +6476,98 @@
                 <a:latin typeface="+mj-ea"/>
                 <a:ea typeface="+mj-ea"/>
               </a:rPr>
-              <a:t>When the Refresh button becomes active, click it to finalize the application.</a:t>
+              <a:t>When the </a:t>
             </a:r>
+            <a:r>
+              <a:rPr lang="en-US" altLang="ko-KR" b="1" u="sng">
+                <a:solidFill>
+                  <a:schemeClr val="bg1"/>
+                </a:solidFill>
+                <a:latin typeface="+mj-ea"/>
+                <a:ea typeface="+mj-ea"/>
+              </a:rPr>
+              <a:t>Refresh</a:t>
+            </a:r>
+            <a:r>
+              <a:rPr lang="en-US" altLang="ko-KR">
+                <a:solidFill>
+                  <a:schemeClr val="bg1"/>
+                </a:solidFill>
+                <a:latin typeface="+mj-ea"/>
+                <a:ea typeface="+mj-ea"/>
+              </a:rPr>
+              <a:t> button becomes active, click it to finalize the application.</a:t>
+            </a:r>
+          </a:p>
+        </p:txBody>
+      </p:sp>
+      <p:sp>
+        <p:nvSpPr>
+          <p:cNvPr id="11" name="TextBox 10">
+            <a:extLst>
+              <a:ext uri="{FF2B5EF4-FFF2-40B4-BE49-F238E27FC236}">
+                <a16:creationId xmlns:a16="http://schemas.microsoft.com/office/drawing/2014/main" id="{7A74258C-4400-4788-86F7-3360C565178D}"/>
+              </a:ext>
+            </a:extLst>
+          </p:cNvPr>
+          <p:cNvSpPr txBox="1"/>
+          <p:nvPr/>
+        </p:nvSpPr>
+        <p:spPr>
+          <a:xfrm>
+            <a:off x="375613" y="7543800"/>
+            <a:ext cx="6068073" cy="1285288"/>
+          </a:xfrm>
+          <a:prstGeom prst="rect">
+            <a:avLst/>
+          </a:prstGeom>
+          <a:noFill/>
+        </p:spPr>
+        <p:txBody>
+          <a:bodyPr wrap="square">
+            <a:spAutoFit/>
+          </a:bodyPr>
+          <a:lstStyle/>
+          <a:p>
+            <a:pPr>
+              <a:lnSpc>
+                <a:spcPct val="150000"/>
+              </a:lnSpc>
+            </a:pPr>
+            <a:r>
+              <a:rPr lang="en-US" altLang="ko-KR" b="1">
+                <a:solidFill>
+                  <a:schemeClr val="bg1"/>
+                </a:solidFill>
+                <a:latin typeface="+mj-ea"/>
+                <a:ea typeface="+mj-ea"/>
+              </a:rPr>
+              <a:t>Caution!</a:t>
+            </a:r>
+          </a:p>
+          <a:p>
+            <a:pPr>
+              <a:lnSpc>
+                <a:spcPct val="150000"/>
+              </a:lnSpc>
+            </a:pPr>
+            <a:r>
+              <a:rPr lang="en-US" altLang="ko-KR">
+                <a:solidFill>
+                  <a:schemeClr val="bg1"/>
+                </a:solidFill>
+                <a:latin typeface="+mj-ea"/>
+                <a:ea typeface="+mj-ea"/>
+              </a:rPr>
+              <a:t>If key input is duplicated with other nodes, it may not work, so be careful.</a:t>
+            </a:r>
+            <a:endParaRPr lang="ko-KR" altLang="en-US">
+              <a:solidFill>
+                <a:schemeClr val="bg1"/>
+              </a:solidFill>
+              <a:latin typeface="+mj-ea"/>
+              <a:ea typeface="+mj-ea"/>
+            </a:endParaRPr>
           </a:p>
         </p:txBody>
       </p:sp>
@@ -6001,6 +6575,783 @@
     <p:extLst>
       <p:ext uri="{BB962C8B-B14F-4D97-AF65-F5344CB8AC3E}">
         <p14:creationId xmlns:p14="http://schemas.microsoft.com/office/powerpoint/2010/main" val="1271117249"/>
+      </p:ext>
+    </p:extLst>
+  </p:cSld>
+  <p:clrMapOvr>
+    <a:masterClrMapping/>
+  </p:clrMapOvr>
+</p:sld>
+</file>
+
+<file path=ppt/slides/slide7.xml><?xml version="1.0" encoding="utf-8"?>
+<p:sld xmlns:a="http://schemas.openxmlformats.org/drawingml/2006/main" xmlns:r="http://schemas.openxmlformats.org/officeDocument/2006/relationships" xmlns:p="http://schemas.openxmlformats.org/presentationml/2006/main">
+  <p:cSld>
+    <p:spTree>
+      <p:nvGrpSpPr>
+        <p:cNvPr id="1" name=""/>
+        <p:cNvGrpSpPr/>
+        <p:nvPr/>
+      </p:nvGrpSpPr>
+      <p:grpSpPr>
+        <a:xfrm>
+          <a:off x="0" y="0"/>
+          <a:ext cx="0" cy="0"/>
+          <a:chOff x="0" y="0"/>
+          <a:chExt cx="0" cy="0"/>
+        </a:xfrm>
+      </p:grpSpPr>
+      <p:sp>
+        <p:nvSpPr>
+          <p:cNvPr id="3" name="TextBox 2">
+            <a:extLst>
+              <a:ext uri="{FF2B5EF4-FFF2-40B4-BE49-F238E27FC236}">
+                <a16:creationId xmlns:a16="http://schemas.microsoft.com/office/drawing/2014/main" id="{CEDDE7D5-1C29-4A64-A17B-8E12F95B9656}"/>
+              </a:ext>
+            </a:extLst>
+          </p:cNvPr>
+          <p:cNvSpPr txBox="1"/>
+          <p:nvPr/>
+        </p:nvSpPr>
+        <p:spPr>
+          <a:xfrm>
+            <a:off x="414215" y="769382"/>
+            <a:ext cx="6029570" cy="461665"/>
+          </a:xfrm>
+          <a:prstGeom prst="rect">
+            <a:avLst/>
+          </a:prstGeom>
+          <a:noFill/>
+        </p:spPr>
+        <p:txBody>
+          <a:bodyPr wrap="square" rtlCol="0">
+            <a:spAutoFit/>
+          </a:bodyPr>
+          <a:lstStyle/>
+          <a:p>
+            <a:pPr algn="ctr"/>
+            <a:r>
+              <a:rPr lang="en-US" altLang="ko-KR" sz="2400" b="1">
+                <a:solidFill>
+                  <a:schemeClr val="bg1"/>
+                </a:solidFill>
+                <a:latin typeface="+mj-ea"/>
+                <a:ea typeface="+mj-ea"/>
+              </a:rPr>
+              <a:t>Register Variable Node &amp; Get Variable</a:t>
+            </a:r>
+            <a:endParaRPr lang="ko-KR" altLang="en-US" sz="2400" b="1">
+              <a:solidFill>
+                <a:schemeClr val="bg1"/>
+              </a:solidFill>
+              <a:latin typeface="+mj-ea"/>
+              <a:ea typeface="+mj-ea"/>
+            </a:endParaRPr>
+          </a:p>
+        </p:txBody>
+      </p:sp>
+      <p:pic>
+        <p:nvPicPr>
+          <p:cNvPr id="12" name="그림 11">
+            <a:extLst>
+              <a:ext uri="{FF2B5EF4-FFF2-40B4-BE49-F238E27FC236}">
+                <a16:creationId xmlns:a16="http://schemas.microsoft.com/office/drawing/2014/main" id="{FDE894AF-8AB8-48D2-A230-589205054ABA}"/>
+              </a:ext>
+            </a:extLst>
+          </p:cNvPr>
+          <p:cNvPicPr>
+            <a:picLocks noChangeAspect="1"/>
+          </p:cNvPicPr>
+          <p:nvPr/>
+        </p:nvPicPr>
+        <p:blipFill>
+          <a:blip r:embed="rId2"/>
+          <a:stretch>
+            <a:fillRect/>
+          </a:stretch>
+        </p:blipFill>
+        <p:spPr>
+          <a:xfrm>
+            <a:off x="440789" y="1524000"/>
+            <a:ext cx="5976422" cy="2489198"/>
+          </a:xfrm>
+          <a:prstGeom prst="rect">
+            <a:avLst/>
+          </a:prstGeom>
+        </p:spPr>
+      </p:pic>
+      <p:sp>
+        <p:nvSpPr>
+          <p:cNvPr id="16" name="TextBox 15">
+            <a:extLst>
+              <a:ext uri="{FF2B5EF4-FFF2-40B4-BE49-F238E27FC236}">
+                <a16:creationId xmlns:a16="http://schemas.microsoft.com/office/drawing/2014/main" id="{7B069547-BD36-4EFB-9629-1D5ADC3617F7}"/>
+              </a:ext>
+            </a:extLst>
+          </p:cNvPr>
+          <p:cNvSpPr txBox="1"/>
+          <p:nvPr/>
+        </p:nvSpPr>
+        <p:spPr>
+          <a:xfrm>
+            <a:off x="375613" y="4191000"/>
+            <a:ext cx="6068073" cy="869790"/>
+          </a:xfrm>
+          <a:prstGeom prst="rect">
+            <a:avLst/>
+          </a:prstGeom>
+          <a:noFill/>
+        </p:spPr>
+        <p:txBody>
+          <a:bodyPr wrap="square">
+            <a:spAutoFit/>
+          </a:bodyPr>
+          <a:lstStyle/>
+          <a:p>
+            <a:pPr>
+              <a:lnSpc>
+                <a:spcPct val="150000"/>
+              </a:lnSpc>
+            </a:pPr>
+            <a:r>
+              <a:rPr lang="en-US" altLang="ko-KR">
+                <a:solidFill>
+                  <a:schemeClr val="bg1"/>
+                </a:solidFill>
+                <a:latin typeface="+mj-ea"/>
+                <a:ea typeface="+mj-ea"/>
+              </a:rPr>
+              <a:t>You can register a node and load it from a desired location.</a:t>
+            </a:r>
+            <a:endParaRPr lang="ko-KR" altLang="en-US">
+              <a:solidFill>
+                <a:schemeClr val="bg1"/>
+              </a:solidFill>
+              <a:latin typeface="+mj-ea"/>
+              <a:ea typeface="+mj-ea"/>
+            </a:endParaRPr>
+          </a:p>
+        </p:txBody>
+      </p:sp>
+    </p:spTree>
+    <p:extLst>
+      <p:ext uri="{BB962C8B-B14F-4D97-AF65-F5344CB8AC3E}">
+        <p14:creationId xmlns:p14="http://schemas.microsoft.com/office/powerpoint/2010/main" val="3409837486"/>
+      </p:ext>
+    </p:extLst>
+  </p:cSld>
+  <p:clrMapOvr>
+    <a:masterClrMapping/>
+  </p:clrMapOvr>
+</p:sld>
+</file>
+
+<file path=ppt/slides/slide8.xml><?xml version="1.0" encoding="utf-8"?>
+<p:sld xmlns:a="http://schemas.openxmlformats.org/drawingml/2006/main" xmlns:r="http://schemas.openxmlformats.org/officeDocument/2006/relationships" xmlns:p="http://schemas.openxmlformats.org/presentationml/2006/main">
+  <p:cSld>
+    <p:spTree>
+      <p:nvGrpSpPr>
+        <p:cNvPr id="1" name=""/>
+        <p:cNvGrpSpPr/>
+        <p:nvPr/>
+      </p:nvGrpSpPr>
+      <p:grpSpPr>
+        <a:xfrm>
+          <a:off x="0" y="0"/>
+          <a:ext cx="0" cy="0"/>
+          <a:chOff x="0" y="0"/>
+          <a:chExt cx="0" cy="0"/>
+        </a:xfrm>
+      </p:grpSpPr>
+      <p:sp>
+        <p:nvSpPr>
+          <p:cNvPr id="2" name="object 2"/>
+          <p:cNvSpPr txBox="1"/>
+          <p:nvPr/>
+        </p:nvSpPr>
+        <p:spPr>
+          <a:xfrm>
+            <a:off x="375614" y="440563"/>
+            <a:ext cx="2672385" cy="289823"/>
+          </a:xfrm>
+          <a:prstGeom prst="rect">
+            <a:avLst/>
+          </a:prstGeom>
+        </p:spPr>
+        <p:txBody>
+          <a:bodyPr vert="horz" wrap="square" lIns="0" tIns="12700" rIns="0" bIns="0" rtlCol="0">
+            <a:spAutoFit/>
+          </a:bodyPr>
+          <a:lstStyle/>
+          <a:p>
+            <a:pPr marL="12700">
+              <a:lnSpc>
+                <a:spcPct val="100000"/>
+              </a:lnSpc>
+              <a:spcBef>
+                <a:spcPts val="100"/>
+              </a:spcBef>
+            </a:pPr>
+            <a:r>
+              <a:rPr lang="en-US" altLang="ko-KR" sz="1800" b="1">
+                <a:solidFill>
+                  <a:schemeClr val="bg1"/>
+                </a:solidFill>
+                <a:latin typeface="맑은 고딕"/>
+                <a:cs typeface="맑은 고딕"/>
+              </a:rPr>
+              <a:t>How to use</a:t>
+            </a:r>
+            <a:endParaRPr sz="1800">
+              <a:solidFill>
+                <a:schemeClr val="bg1"/>
+              </a:solidFill>
+              <a:latin typeface="맑은 고딕"/>
+              <a:cs typeface="맑은 고딕"/>
+            </a:endParaRPr>
+          </a:p>
+        </p:txBody>
+      </p:sp>
+      <p:pic>
+        <p:nvPicPr>
+          <p:cNvPr id="5" name="그림 4">
+            <a:extLst>
+              <a:ext uri="{FF2B5EF4-FFF2-40B4-BE49-F238E27FC236}">
+                <a16:creationId xmlns:a16="http://schemas.microsoft.com/office/drawing/2014/main" id="{23ECB432-3430-4C46-97D9-5028EDE78895}"/>
+              </a:ext>
+            </a:extLst>
+          </p:cNvPr>
+          <p:cNvPicPr>
+            <a:picLocks noChangeAspect="1"/>
+          </p:cNvPicPr>
+          <p:nvPr/>
+        </p:nvPicPr>
+        <p:blipFill>
+          <a:blip r:embed="rId2"/>
+          <a:stretch>
+            <a:fillRect/>
+          </a:stretch>
+        </p:blipFill>
+        <p:spPr>
+          <a:xfrm>
+            <a:off x="457200" y="914400"/>
+            <a:ext cx="4471590" cy="2652973"/>
+          </a:xfrm>
+          <a:prstGeom prst="rect">
+            <a:avLst/>
+          </a:prstGeom>
+        </p:spPr>
+      </p:pic>
+      <p:cxnSp>
+        <p:nvCxnSpPr>
+          <p:cNvPr id="7" name="직선 화살표 연결선 6">
+            <a:extLst>
+              <a:ext uri="{FF2B5EF4-FFF2-40B4-BE49-F238E27FC236}">
+                <a16:creationId xmlns:a16="http://schemas.microsoft.com/office/drawing/2014/main" id="{57BC0578-D3DA-4916-BDDA-7199071CC098}"/>
+              </a:ext>
+            </a:extLst>
+          </p:cNvPr>
+          <p:cNvCxnSpPr/>
+          <p:nvPr/>
+        </p:nvCxnSpPr>
+        <p:spPr>
+          <a:xfrm flipH="1">
+            <a:off x="4572000" y="1828800"/>
+            <a:ext cx="762000" cy="0"/>
+          </a:xfrm>
+          <a:prstGeom prst="straightConnector1">
+            <a:avLst/>
+          </a:prstGeom>
+          <a:ln w="57150">
+            <a:solidFill>
+              <a:srgbClr val="FF0000"/>
+            </a:solidFill>
+            <a:tailEnd type="triangle"/>
+          </a:ln>
+        </p:spPr>
+        <p:style>
+          <a:lnRef idx="1">
+            <a:schemeClr val="accent1"/>
+          </a:lnRef>
+          <a:fillRef idx="0">
+            <a:schemeClr val="accent1"/>
+          </a:fillRef>
+          <a:effectRef idx="0">
+            <a:schemeClr val="accent1"/>
+          </a:effectRef>
+          <a:fontRef idx="minor">
+            <a:schemeClr val="tx1"/>
+          </a:fontRef>
+        </p:style>
+      </p:cxnSp>
+      <p:sp>
+        <p:nvSpPr>
+          <p:cNvPr id="8" name="TextBox 7">
+            <a:extLst>
+              <a:ext uri="{FF2B5EF4-FFF2-40B4-BE49-F238E27FC236}">
+                <a16:creationId xmlns:a16="http://schemas.microsoft.com/office/drawing/2014/main" id="{AA5939C1-4D3C-4C90-8BAC-9632BD21E607}"/>
+              </a:ext>
+            </a:extLst>
+          </p:cNvPr>
+          <p:cNvSpPr txBox="1"/>
+          <p:nvPr/>
+        </p:nvSpPr>
+        <p:spPr>
+          <a:xfrm>
+            <a:off x="5403850" y="1644134"/>
+            <a:ext cx="1454150" cy="369332"/>
+          </a:xfrm>
+          <a:prstGeom prst="rect">
+            <a:avLst/>
+          </a:prstGeom>
+          <a:noFill/>
+        </p:spPr>
+        <p:txBody>
+          <a:bodyPr wrap="square" rtlCol="0">
+            <a:spAutoFit/>
+          </a:bodyPr>
+          <a:lstStyle/>
+          <a:p>
+            <a:r>
+              <a:rPr lang="en-US" altLang="ko-KR">
+                <a:solidFill>
+                  <a:schemeClr val="bg1"/>
+                </a:solidFill>
+              </a:rPr>
+              <a:t>Write name</a:t>
+            </a:r>
+            <a:endParaRPr lang="ko-KR" altLang="en-US">
+              <a:solidFill>
+                <a:schemeClr val="bg1"/>
+              </a:solidFill>
+            </a:endParaRPr>
+          </a:p>
+        </p:txBody>
+      </p:sp>
+      <p:sp>
+        <p:nvSpPr>
+          <p:cNvPr id="16" name="TextBox 15">
+            <a:extLst>
+              <a:ext uri="{FF2B5EF4-FFF2-40B4-BE49-F238E27FC236}">
+                <a16:creationId xmlns:a16="http://schemas.microsoft.com/office/drawing/2014/main" id="{D3D425E7-220E-435D-A1A4-8A17E450C528}"/>
+              </a:ext>
+            </a:extLst>
+          </p:cNvPr>
+          <p:cNvSpPr txBox="1"/>
+          <p:nvPr/>
+        </p:nvSpPr>
+        <p:spPr>
+          <a:xfrm>
+            <a:off x="375613" y="3596667"/>
+            <a:ext cx="6068073" cy="869790"/>
+          </a:xfrm>
+          <a:prstGeom prst="rect">
+            <a:avLst/>
+          </a:prstGeom>
+          <a:noFill/>
+        </p:spPr>
+        <p:txBody>
+          <a:bodyPr wrap="square">
+            <a:spAutoFit/>
+          </a:bodyPr>
+          <a:lstStyle/>
+          <a:p>
+            <a:pPr>
+              <a:lnSpc>
+                <a:spcPct val="150000"/>
+              </a:lnSpc>
+            </a:pPr>
+            <a:r>
+              <a:rPr lang="en-US" altLang="ko-KR">
+                <a:solidFill>
+                  <a:schemeClr val="bg1"/>
+                </a:solidFill>
+                <a:latin typeface="+mj-ea"/>
+                <a:ea typeface="+mj-ea"/>
+              </a:rPr>
+              <a:t>When you want to register the desired result value, Register Variable Just connect the nodes.</a:t>
+            </a:r>
+          </a:p>
+        </p:txBody>
+      </p:sp>
+      <p:pic>
+        <p:nvPicPr>
+          <p:cNvPr id="12" name="그림 11">
+            <a:extLst>
+              <a:ext uri="{FF2B5EF4-FFF2-40B4-BE49-F238E27FC236}">
+                <a16:creationId xmlns:a16="http://schemas.microsoft.com/office/drawing/2014/main" id="{CAA3A962-1AE2-45AD-8F6A-2BC37B90442D}"/>
+              </a:ext>
+            </a:extLst>
+          </p:cNvPr>
+          <p:cNvPicPr>
+            <a:picLocks noChangeAspect="1"/>
+          </p:cNvPicPr>
+          <p:nvPr/>
+        </p:nvPicPr>
+        <p:blipFill>
+          <a:blip r:embed="rId3"/>
+          <a:stretch>
+            <a:fillRect/>
+          </a:stretch>
+        </p:blipFill>
+        <p:spPr>
+          <a:xfrm>
+            <a:off x="453292" y="6630119"/>
+            <a:ext cx="4659036" cy="2450231"/>
+          </a:xfrm>
+          <a:prstGeom prst="rect">
+            <a:avLst/>
+          </a:prstGeom>
+        </p:spPr>
+      </p:pic>
+      <p:sp>
+        <p:nvSpPr>
+          <p:cNvPr id="19" name="TextBox 18">
+            <a:extLst>
+              <a:ext uri="{FF2B5EF4-FFF2-40B4-BE49-F238E27FC236}">
+                <a16:creationId xmlns:a16="http://schemas.microsoft.com/office/drawing/2014/main" id="{5683F137-5B47-4F27-8719-959B990ED292}"/>
+              </a:ext>
+            </a:extLst>
+          </p:cNvPr>
+          <p:cNvSpPr txBox="1"/>
+          <p:nvPr/>
+        </p:nvSpPr>
+        <p:spPr>
+          <a:xfrm>
+            <a:off x="394963" y="9146766"/>
+            <a:ext cx="6068073" cy="869790"/>
+          </a:xfrm>
+          <a:prstGeom prst="rect">
+            <a:avLst/>
+          </a:prstGeom>
+          <a:noFill/>
+        </p:spPr>
+        <p:txBody>
+          <a:bodyPr wrap="square">
+            <a:spAutoFit/>
+          </a:bodyPr>
+          <a:lstStyle/>
+          <a:p>
+            <a:pPr>
+              <a:lnSpc>
+                <a:spcPct val="150000"/>
+              </a:lnSpc>
+            </a:pPr>
+            <a:r>
+              <a:rPr lang="en-US" altLang="ko-KR">
+                <a:solidFill>
+                  <a:schemeClr val="bg1"/>
+                </a:solidFill>
+                <a:latin typeface="+mj-ea"/>
+                <a:ea typeface="+mj-ea"/>
+              </a:rPr>
+              <a:t>When you want to use it, you can create a Get Variable node and call the node by writing the same name.</a:t>
+            </a:r>
+          </a:p>
+        </p:txBody>
+      </p:sp>
+      <p:sp>
+        <p:nvSpPr>
+          <p:cNvPr id="10" name="TextBox 9">
+            <a:extLst>
+              <a:ext uri="{FF2B5EF4-FFF2-40B4-BE49-F238E27FC236}">
+                <a16:creationId xmlns:a16="http://schemas.microsoft.com/office/drawing/2014/main" id="{85051872-4F29-43A7-BCB4-F32E101A5E69}"/>
+              </a:ext>
+            </a:extLst>
+          </p:cNvPr>
+          <p:cNvSpPr txBox="1"/>
+          <p:nvPr/>
+        </p:nvSpPr>
+        <p:spPr>
+          <a:xfrm>
+            <a:off x="375613" y="5037737"/>
+            <a:ext cx="6068073" cy="869790"/>
+          </a:xfrm>
+          <a:prstGeom prst="rect">
+            <a:avLst/>
+          </a:prstGeom>
+          <a:noFill/>
+        </p:spPr>
+        <p:txBody>
+          <a:bodyPr wrap="square">
+            <a:spAutoFit/>
+          </a:bodyPr>
+          <a:lstStyle/>
+          <a:p>
+            <a:pPr>
+              <a:lnSpc>
+                <a:spcPct val="150000"/>
+              </a:lnSpc>
+            </a:pPr>
+            <a:r>
+              <a:rPr lang="en-US" altLang="ko-KR">
+                <a:solidFill>
+                  <a:schemeClr val="bg1"/>
+                </a:solidFill>
+                <a:latin typeface="+mj-ea"/>
+                <a:ea typeface="+mj-ea"/>
+              </a:rPr>
+              <a:t>Only float1 and Vector4 are supported, and when Vector2 is connected, it is cast to Vector4.</a:t>
+            </a:r>
+          </a:p>
+        </p:txBody>
+      </p:sp>
+    </p:spTree>
+    <p:extLst>
+      <p:ext uri="{BB962C8B-B14F-4D97-AF65-F5344CB8AC3E}">
+        <p14:creationId xmlns:p14="http://schemas.microsoft.com/office/powerpoint/2010/main" val="1289429915"/>
+      </p:ext>
+    </p:extLst>
+  </p:cSld>
+  <p:clrMapOvr>
+    <a:masterClrMapping/>
+  </p:clrMapOvr>
+</p:sld>
+</file>
+
+<file path=ppt/slides/slide9.xml><?xml version="1.0" encoding="utf-8"?>
+<p:sld xmlns:a="http://schemas.openxmlformats.org/drawingml/2006/main" xmlns:r="http://schemas.openxmlformats.org/officeDocument/2006/relationships" xmlns:p="http://schemas.openxmlformats.org/presentationml/2006/main">
+  <p:cSld>
+    <p:spTree>
+      <p:nvGrpSpPr>
+        <p:cNvPr id="1" name=""/>
+        <p:cNvGrpSpPr/>
+        <p:nvPr/>
+      </p:nvGrpSpPr>
+      <p:grpSpPr>
+        <a:xfrm>
+          <a:off x="0" y="0"/>
+          <a:ext cx="0" cy="0"/>
+          <a:chOff x="0" y="0"/>
+          <a:chExt cx="0" cy="0"/>
+        </a:xfrm>
+      </p:grpSpPr>
+      <p:sp>
+        <p:nvSpPr>
+          <p:cNvPr id="2" name="object 2"/>
+          <p:cNvSpPr txBox="1"/>
+          <p:nvPr/>
+        </p:nvSpPr>
+        <p:spPr>
+          <a:xfrm>
+            <a:off x="615632" y="796304"/>
+            <a:ext cx="5625465" cy="382156"/>
+          </a:xfrm>
+          <a:prstGeom prst="rect">
+            <a:avLst/>
+          </a:prstGeom>
+        </p:spPr>
+        <p:txBody>
+          <a:bodyPr vert="horz" wrap="square" lIns="0" tIns="12700" rIns="0" bIns="0" rtlCol="0">
+            <a:spAutoFit/>
+          </a:bodyPr>
+          <a:lstStyle/>
+          <a:p>
+            <a:pPr marL="12700" algn="ctr">
+              <a:lnSpc>
+                <a:spcPct val="100000"/>
+              </a:lnSpc>
+              <a:spcBef>
+                <a:spcPts val="100"/>
+              </a:spcBef>
+            </a:pPr>
+            <a:r>
+              <a:rPr lang="en-US" sz="2400" b="1" spc="-25">
+                <a:solidFill>
+                  <a:srgbClr val="FFFFFF"/>
+                </a:solidFill>
+                <a:latin typeface="맑은 고딕"/>
+                <a:cs typeface="맑은 고딕"/>
+              </a:rPr>
+              <a:t>Screenshot System</a:t>
+            </a:r>
+            <a:endParaRPr sz="2400">
+              <a:latin typeface="맑은 고딕"/>
+              <a:cs typeface="맑은 고딕"/>
+            </a:endParaRPr>
+          </a:p>
+        </p:txBody>
+      </p:sp>
+      <p:pic>
+        <p:nvPicPr>
+          <p:cNvPr id="6" name="그림 5">
+            <a:extLst>
+              <a:ext uri="{FF2B5EF4-FFF2-40B4-BE49-F238E27FC236}">
+                <a16:creationId xmlns:a16="http://schemas.microsoft.com/office/drawing/2014/main" id="{C3D869B6-D1A4-49DC-AE6B-A4C67327E611}"/>
+              </a:ext>
+            </a:extLst>
+          </p:cNvPr>
+          <p:cNvPicPr>
+            <a:picLocks noChangeAspect="1"/>
+          </p:cNvPicPr>
+          <p:nvPr/>
+        </p:nvPicPr>
+        <p:blipFill>
+          <a:blip r:embed="rId2" cstate="print">
+            <a:extLst>
+              <a:ext uri="{28A0092B-C50C-407E-A947-70E740481C1C}">
+                <a14:useLocalDpi xmlns:a14="http://schemas.microsoft.com/office/drawing/2010/main" val="0"/>
+              </a:ext>
+            </a:extLst>
+          </a:blip>
+          <a:stretch>
+            <a:fillRect/>
+          </a:stretch>
+        </p:blipFill>
+        <p:spPr>
+          <a:xfrm>
+            <a:off x="548394" y="6019800"/>
+            <a:ext cx="6079034" cy="2844800"/>
+          </a:xfrm>
+          <a:prstGeom prst="rect">
+            <a:avLst/>
+          </a:prstGeom>
+        </p:spPr>
+      </p:pic>
+      <p:pic>
+        <p:nvPicPr>
+          <p:cNvPr id="8" name="그림 7">
+            <a:extLst>
+              <a:ext uri="{FF2B5EF4-FFF2-40B4-BE49-F238E27FC236}">
+                <a16:creationId xmlns:a16="http://schemas.microsoft.com/office/drawing/2014/main" id="{BFBE987A-B6D7-4E7D-899E-152CCDD4B768}"/>
+              </a:ext>
+            </a:extLst>
+          </p:cNvPr>
+          <p:cNvPicPr>
+            <a:picLocks noChangeAspect="1"/>
+          </p:cNvPicPr>
+          <p:nvPr/>
+        </p:nvPicPr>
+        <p:blipFill>
+          <a:blip r:embed="rId3" cstate="print">
+            <a:extLst>
+              <a:ext uri="{28A0092B-C50C-407E-A947-70E740481C1C}">
+                <a14:useLocalDpi xmlns:a14="http://schemas.microsoft.com/office/drawing/2010/main" val="0"/>
+              </a:ext>
+            </a:extLst>
+          </a:blip>
+          <a:stretch>
+            <a:fillRect/>
+          </a:stretch>
+        </p:blipFill>
+        <p:spPr>
+          <a:xfrm>
+            <a:off x="579656" y="1752600"/>
+            <a:ext cx="5697416" cy="3131742"/>
+          </a:xfrm>
+          <a:prstGeom prst="rect">
+            <a:avLst/>
+          </a:prstGeom>
+        </p:spPr>
+      </p:pic>
+      <p:sp>
+        <p:nvSpPr>
+          <p:cNvPr id="12" name="object 11">
+            <a:extLst>
+              <a:ext uri="{FF2B5EF4-FFF2-40B4-BE49-F238E27FC236}">
+                <a16:creationId xmlns:a16="http://schemas.microsoft.com/office/drawing/2014/main" id="{5CCEEE23-CD20-469F-8AD3-0EC302B8AB98}"/>
+              </a:ext>
+            </a:extLst>
+          </p:cNvPr>
+          <p:cNvSpPr txBox="1"/>
+          <p:nvPr/>
+        </p:nvSpPr>
+        <p:spPr>
+          <a:xfrm>
+            <a:off x="596582" y="4953000"/>
+            <a:ext cx="5626100" cy="374783"/>
+          </a:xfrm>
+          <a:prstGeom prst="rect">
+            <a:avLst/>
+          </a:prstGeom>
+        </p:spPr>
+        <p:txBody>
+          <a:bodyPr vert="horz" wrap="square" lIns="0" tIns="12700" rIns="0" bIns="0" rtlCol="0">
+            <a:spAutoFit/>
+          </a:bodyPr>
+          <a:lstStyle/>
+          <a:p>
+            <a:pPr marL="12700" marR="5080">
+              <a:lnSpc>
+                <a:spcPct val="150000"/>
+              </a:lnSpc>
+              <a:spcBef>
+                <a:spcPts val="100"/>
+              </a:spcBef>
+            </a:pPr>
+            <a:r>
+              <a:rPr lang="en-US" altLang="ko-KR">
+                <a:solidFill>
+                  <a:srgbClr val="FFFFFF"/>
+                </a:solidFill>
+                <a:latin typeface="맑은 고딕"/>
+                <a:cs typeface="맑은 고딕"/>
+              </a:rPr>
+              <a:t>You can capture a node with the screenshot function.</a:t>
+            </a:r>
+            <a:endParaRPr sz="1800">
+              <a:latin typeface="맑은 고딕"/>
+              <a:cs typeface="맑은 고딕"/>
+            </a:endParaRPr>
+          </a:p>
+        </p:txBody>
+      </p:sp>
+      <p:sp>
+        <p:nvSpPr>
+          <p:cNvPr id="13" name="object 11">
+            <a:extLst>
+              <a:ext uri="{FF2B5EF4-FFF2-40B4-BE49-F238E27FC236}">
+                <a16:creationId xmlns:a16="http://schemas.microsoft.com/office/drawing/2014/main" id="{5B40AE01-759C-424C-B838-3C01AA559403}"/>
+              </a:ext>
+            </a:extLst>
+          </p:cNvPr>
+          <p:cNvSpPr txBox="1"/>
+          <p:nvPr/>
+        </p:nvSpPr>
+        <p:spPr>
+          <a:xfrm>
+            <a:off x="596582" y="8991600"/>
+            <a:ext cx="5626100" cy="374783"/>
+          </a:xfrm>
+          <a:prstGeom prst="rect">
+            <a:avLst/>
+          </a:prstGeom>
+        </p:spPr>
+        <p:txBody>
+          <a:bodyPr vert="horz" wrap="square" lIns="0" tIns="12700" rIns="0" bIns="0" rtlCol="0">
+            <a:spAutoFit/>
+          </a:bodyPr>
+          <a:lstStyle/>
+          <a:p>
+            <a:pPr marL="12700" marR="5080">
+              <a:lnSpc>
+                <a:spcPct val="150000"/>
+              </a:lnSpc>
+              <a:spcBef>
+                <a:spcPts val="100"/>
+              </a:spcBef>
+            </a:pPr>
+            <a:r>
+              <a:rPr lang="en-US" altLang="ko-KR">
+                <a:solidFill>
+                  <a:srgbClr val="FFFFFF"/>
+                </a:solidFill>
+                <a:latin typeface="맑은 고딕"/>
+                <a:cs typeface="맑은 고딕"/>
+              </a:rPr>
+              <a:t>preview picture</a:t>
+            </a:r>
+            <a:endParaRPr sz="1800">
+              <a:latin typeface="맑은 고딕"/>
+              <a:cs typeface="맑은 고딕"/>
+            </a:endParaRPr>
+          </a:p>
+        </p:txBody>
+      </p:sp>
+    </p:spTree>
+    <p:extLst>
+      <p:ext uri="{BB962C8B-B14F-4D97-AF65-F5344CB8AC3E}">
+        <p14:creationId xmlns:p14="http://schemas.microsoft.com/office/powerpoint/2010/main" val="2723073136"/>
       </p:ext>
     </p:extLst>
   </p:cSld>
